--- a/2022-04-28 - AutoRest The Module Generator/PowerShell Summit 2022 - AutoRest.pptx
+++ b/2022-04-28 - AutoRest The Module Generator/PowerShell Summit 2022 - AutoRest.pptx
@@ -9,9 +9,10 @@
     <p:sldId id="257" r:id="rId3"/>
     <p:sldId id="269" r:id="rId4"/>
     <p:sldId id="258" r:id="rId5"/>
-    <p:sldId id="271" r:id="rId6"/>
-    <p:sldId id="272" r:id="rId7"/>
+    <p:sldId id="272" r:id="rId6"/>
+    <p:sldId id="271" r:id="rId7"/>
     <p:sldId id="268" r:id="rId8"/>
+    <p:sldId id="273" r:id="rId9"/>
   </p:sldIdLst>
   <p:sldSz cx="12192000" cy="6858000"/>
   <p:notesSz cx="6858000" cy="9144000"/>
@@ -265,7 +266,7 @@
           <a:p>
             <a:fld id="{D46B952B-F692-4DD1-9678-FCDA40C3FC40}" type="datetimeFigureOut">
               <a:rPr lang="en-US" smtClean="0"/>
-              <a:t>4/5/2022</a:t>
+              <a:t>4/19/2022</a:t>
             </a:fld>
             <a:endParaRPr lang="en-US"/>
           </a:p>
@@ -463,7 +464,7 @@
           <a:p>
             <a:fld id="{D46B952B-F692-4DD1-9678-FCDA40C3FC40}" type="datetimeFigureOut">
               <a:rPr lang="en-US" smtClean="0"/>
-              <a:t>4/5/2022</a:t>
+              <a:t>4/19/2022</a:t>
             </a:fld>
             <a:endParaRPr lang="en-US"/>
           </a:p>
@@ -671,7 +672,7 @@
           <a:p>
             <a:fld id="{D46B952B-F692-4DD1-9678-FCDA40C3FC40}" type="datetimeFigureOut">
               <a:rPr lang="en-US" smtClean="0"/>
-              <a:t>4/5/2022</a:t>
+              <a:t>4/19/2022</a:t>
             </a:fld>
             <a:endParaRPr lang="en-US"/>
           </a:p>
@@ -869,7 +870,7 @@
           <a:p>
             <a:fld id="{D46B952B-F692-4DD1-9678-FCDA40C3FC40}" type="datetimeFigureOut">
               <a:rPr lang="en-US" smtClean="0"/>
-              <a:t>4/5/2022</a:t>
+              <a:t>4/19/2022</a:t>
             </a:fld>
             <a:endParaRPr lang="en-US"/>
           </a:p>
@@ -1144,7 +1145,7 @@
           <a:p>
             <a:fld id="{D46B952B-F692-4DD1-9678-FCDA40C3FC40}" type="datetimeFigureOut">
               <a:rPr lang="en-US" smtClean="0"/>
-              <a:t>4/5/2022</a:t>
+              <a:t>4/19/2022</a:t>
             </a:fld>
             <a:endParaRPr lang="en-US"/>
           </a:p>
@@ -1409,7 +1410,7 @@
           <a:p>
             <a:fld id="{D46B952B-F692-4DD1-9678-FCDA40C3FC40}" type="datetimeFigureOut">
               <a:rPr lang="en-US" smtClean="0"/>
-              <a:t>4/5/2022</a:t>
+              <a:t>4/19/2022</a:t>
             </a:fld>
             <a:endParaRPr lang="en-US"/>
           </a:p>
@@ -1821,7 +1822,7 @@
           <a:p>
             <a:fld id="{D46B952B-F692-4DD1-9678-FCDA40C3FC40}" type="datetimeFigureOut">
               <a:rPr lang="en-US" smtClean="0"/>
-              <a:t>4/5/2022</a:t>
+              <a:t>4/19/2022</a:t>
             </a:fld>
             <a:endParaRPr lang="en-US"/>
           </a:p>
@@ -1962,7 +1963,7 @@
           <a:p>
             <a:fld id="{D46B952B-F692-4DD1-9678-FCDA40C3FC40}" type="datetimeFigureOut">
               <a:rPr lang="en-US" smtClean="0"/>
-              <a:t>4/5/2022</a:t>
+              <a:t>4/19/2022</a:t>
             </a:fld>
             <a:endParaRPr lang="en-US"/>
           </a:p>
@@ -2075,7 +2076,7 @@
           <a:p>
             <a:fld id="{D46B952B-F692-4DD1-9678-FCDA40C3FC40}" type="datetimeFigureOut">
               <a:rPr lang="en-US" smtClean="0"/>
-              <a:t>4/5/2022</a:t>
+              <a:t>4/19/2022</a:t>
             </a:fld>
             <a:endParaRPr lang="en-US"/>
           </a:p>
@@ -2386,7 +2387,7 @@
           <a:p>
             <a:fld id="{D46B952B-F692-4DD1-9678-FCDA40C3FC40}" type="datetimeFigureOut">
               <a:rPr lang="en-US" smtClean="0"/>
-              <a:t>4/5/2022</a:t>
+              <a:t>4/19/2022</a:t>
             </a:fld>
             <a:endParaRPr lang="en-US"/>
           </a:p>
@@ -2674,7 +2675,7 @@
           <a:p>
             <a:fld id="{D46B952B-F692-4DD1-9678-FCDA40C3FC40}" type="datetimeFigureOut">
               <a:rPr lang="en-US" smtClean="0"/>
-              <a:t>4/5/2022</a:t>
+              <a:t>4/19/2022</a:t>
             </a:fld>
             <a:endParaRPr lang="en-US"/>
           </a:p>
@@ -2924,7 +2925,7 @@
           <a:p>
             <a:fld id="{D46B952B-F692-4DD1-9678-FCDA40C3FC40}" type="datetimeFigureOut">
               <a:rPr lang="en-US" smtClean="0"/>
-              <a:t>4/5/2022</a:t>
+              <a:t>4/19/2022</a:t>
             </a:fld>
             <a:endParaRPr lang="en-US"/>
           </a:p>
@@ -4895,7 +4896,7 @@
           <p:cNvPr id="2" name="Title 1">
             <a:extLst>
               <a:ext uri="{FF2B5EF4-FFF2-40B4-BE49-F238E27FC236}">
-                <a16:creationId xmlns:a16="http://schemas.microsoft.com/office/drawing/2014/main" id="{848E72F1-F67E-4AEF-9E86-14F48B4E54AB}"/>
+                <a16:creationId xmlns:a16="http://schemas.microsoft.com/office/drawing/2014/main" id="{22EE2A52-8FF8-4737-A596-36F75D3C0AA9}"/>
               </a:ext>
             </a:extLst>
           </p:cNvPr>
@@ -4913,7 +4914,7 @@
           <a:p>
             <a:r>
               <a:rPr lang="en-US" dirty="0"/>
-              <a:t>Prerequisites </a:t>
+              <a:t>Overview</a:t>
             </a:r>
           </a:p>
         </p:txBody>
@@ -4923,7 +4924,7 @@
           <p:cNvPr id="3" name="Content Placeholder 2">
             <a:extLst>
               <a:ext uri="{FF2B5EF4-FFF2-40B4-BE49-F238E27FC236}">
-                <a16:creationId xmlns:a16="http://schemas.microsoft.com/office/drawing/2014/main" id="{6420E0E3-B7A2-4D43-9E12-6ABB0339C165}"/>
+                <a16:creationId xmlns:a16="http://schemas.microsoft.com/office/drawing/2014/main" id="{B01B009F-2E63-4A04-8BCE-C50D0F4ECE66}"/>
               </a:ext>
             </a:extLst>
           </p:cNvPr>
@@ -4941,23 +4942,16 @@
           <a:p>
             <a:r>
               <a:rPr lang="en-US" dirty="0"/>
-              <a:t>Node.js</a:t>
-            </a:r>
-          </a:p>
-          <a:p>
-            <a:r>
-              <a:rPr lang="en-US" dirty="0"/>
-              <a:t>Dotnet SDK 2.2</a:t>
-            </a:r>
-          </a:p>
-          <a:p>
+              <a:t>Brief setup of </a:t>
+            </a:r>
             <a:r>
               <a:rPr lang="en-US" dirty="0" err="1"/>
               <a:t>AutoRest</a:t>
             </a:r>
-            <a:endParaRPr lang="en-US" dirty="0"/>
-          </a:p>
-          <a:p>
+            <a:r>
+              <a:rPr lang="en-US" dirty="0"/>
+              <a:t> &amp; </a:t>
+            </a:r>
             <a:r>
               <a:rPr lang="en-US" dirty="0" err="1"/>
               <a:t>AutoRest.PowerShell</a:t>
@@ -4967,7 +4961,46 @@
           <a:p>
             <a:r>
               <a:rPr lang="en-US" dirty="0"/>
-              <a:t>PowerShell 6+</a:t>
+              <a:t>Overview of a simple </a:t>
+            </a:r>
+            <a:r>
+              <a:rPr lang="en-US" dirty="0" err="1"/>
+              <a:t>OpenAPI</a:t>
+            </a:r>
+            <a:r>
+              <a:rPr lang="en-US" dirty="0"/>
+              <a:t> file</a:t>
+            </a:r>
+          </a:p>
+          <a:p>
+            <a:pPr lvl="1"/>
+            <a:r>
+              <a:rPr lang="en-US" dirty="0"/>
+              <a:t>Including Authentication and basic CRUD</a:t>
+            </a:r>
+          </a:p>
+          <a:p>
+            <a:r>
+              <a:rPr lang="en-US" dirty="0"/>
+              <a:t>Build a module</a:t>
+            </a:r>
+          </a:p>
+          <a:p>
+            <a:r>
+              <a:rPr lang="en-US" dirty="0"/>
+              <a:t>Adding Authentication</a:t>
+            </a:r>
+          </a:p>
+          <a:p>
+            <a:r>
+              <a:rPr lang="en-US" dirty="0"/>
+              <a:t>Adding cmdlets</a:t>
+            </a:r>
+          </a:p>
+          <a:p>
+            <a:r>
+              <a:rPr lang="en-US" dirty="0"/>
+              <a:t>Using directives for customization</a:t>
             </a:r>
           </a:p>
         </p:txBody>
@@ -4975,7 +5008,7 @@
     </p:spTree>
     <p:extLst>
       <p:ext uri="{BB962C8B-B14F-4D97-AF65-F5344CB8AC3E}">
-        <p14:creationId xmlns:p14="http://schemas.microsoft.com/office/powerpoint/2010/main" val="4066512176"/>
+        <p14:creationId xmlns:p14="http://schemas.microsoft.com/office/powerpoint/2010/main" val="2401618461"/>
       </p:ext>
     </p:extLst>
   </p:cSld>
@@ -5007,7 +5040,7 @@
           <p:cNvPr id="2" name="Title 1">
             <a:extLst>
               <a:ext uri="{FF2B5EF4-FFF2-40B4-BE49-F238E27FC236}">
-                <a16:creationId xmlns:a16="http://schemas.microsoft.com/office/drawing/2014/main" id="{22EE2A52-8FF8-4737-A596-36F75D3C0AA9}"/>
+                <a16:creationId xmlns:a16="http://schemas.microsoft.com/office/drawing/2014/main" id="{848E72F1-F67E-4AEF-9E86-14F48B4E54AB}"/>
               </a:ext>
             </a:extLst>
           </p:cNvPr>
@@ -5025,7 +5058,7 @@
           <a:p>
             <a:r>
               <a:rPr lang="en-US" dirty="0"/>
-              <a:t>Overview</a:t>
+              <a:t>Prerequisites </a:t>
             </a:r>
           </a:p>
         </p:txBody>
@@ -5035,7 +5068,7 @@
           <p:cNvPr id="3" name="Content Placeholder 2">
             <a:extLst>
               <a:ext uri="{FF2B5EF4-FFF2-40B4-BE49-F238E27FC236}">
-                <a16:creationId xmlns:a16="http://schemas.microsoft.com/office/drawing/2014/main" id="{B01B009F-2E63-4A04-8BCE-C50D0F4ECE66}"/>
+                <a16:creationId xmlns:a16="http://schemas.microsoft.com/office/drawing/2014/main" id="{6420E0E3-B7A2-4D43-9E12-6ABB0339C165}"/>
               </a:ext>
             </a:extLst>
           </p:cNvPr>
@@ -5053,16 +5086,23 @@
           <a:p>
             <a:r>
               <a:rPr lang="en-US" dirty="0"/>
-              <a:t>Brief setup of </a:t>
-            </a:r>
+              <a:t>Node.js</a:t>
+            </a:r>
+          </a:p>
+          <a:p>
+            <a:r>
+              <a:rPr lang="en-US" dirty="0"/>
+              <a:t>Dotnet SDK 2.2</a:t>
+            </a:r>
+          </a:p>
+          <a:p>
             <a:r>
               <a:rPr lang="en-US" dirty="0" err="1"/>
               <a:t>AutoRest</a:t>
             </a:r>
-            <a:r>
-              <a:rPr lang="en-US" dirty="0"/>
-              <a:t> &amp; </a:t>
-            </a:r>
+            <a:endParaRPr lang="en-US" dirty="0"/>
+          </a:p>
+          <a:p>
             <a:r>
               <a:rPr lang="en-US" dirty="0" err="1"/>
               <a:t>AutoRest.PowerShell</a:t>
@@ -5072,46 +5112,7 @@
           <a:p>
             <a:r>
               <a:rPr lang="en-US" dirty="0"/>
-              <a:t>Overview of a simple </a:t>
-            </a:r>
-            <a:r>
-              <a:rPr lang="en-US" dirty="0" err="1"/>
-              <a:t>OpenAPI</a:t>
-            </a:r>
-            <a:r>
-              <a:rPr lang="en-US" dirty="0"/>
-              <a:t> file</a:t>
-            </a:r>
-          </a:p>
-          <a:p>
-            <a:pPr lvl="1"/>
-            <a:r>
-              <a:rPr lang="en-US" dirty="0"/>
-              <a:t>Including Authentication and basic CRUD</a:t>
-            </a:r>
-          </a:p>
-          <a:p>
-            <a:r>
-              <a:rPr lang="en-US" dirty="0"/>
-              <a:t>Build a module</a:t>
-            </a:r>
-          </a:p>
-          <a:p>
-            <a:r>
-              <a:rPr lang="en-US" dirty="0"/>
-              <a:t>Adding Authentication</a:t>
-            </a:r>
-          </a:p>
-          <a:p>
-            <a:r>
-              <a:rPr lang="en-US" dirty="0"/>
-              <a:t>Adding cmdlets</a:t>
-            </a:r>
-          </a:p>
-          <a:p>
-            <a:r>
-              <a:rPr lang="en-US" dirty="0"/>
-              <a:t>Using directives for customization</a:t>
+              <a:t>PowerShell 6+</a:t>
             </a:r>
           </a:p>
         </p:txBody>
@@ -5119,7 +5120,7 @@
     </p:spTree>
     <p:extLst>
       <p:ext uri="{BB962C8B-B14F-4D97-AF65-F5344CB8AC3E}">
-        <p14:creationId xmlns:p14="http://schemas.microsoft.com/office/powerpoint/2010/main" val="2401618461"/>
+        <p14:creationId xmlns:p14="http://schemas.microsoft.com/office/powerpoint/2010/main" val="4066512176"/>
       </p:ext>
     </p:extLst>
   </p:cSld>
@@ -5224,6 +5225,99 @@
     <p:extLst>
       <p:ext uri="{BB962C8B-B14F-4D97-AF65-F5344CB8AC3E}">
         <p14:creationId xmlns:p14="http://schemas.microsoft.com/office/powerpoint/2010/main" val="3298450064"/>
+      </p:ext>
+    </p:extLst>
+  </p:cSld>
+  <p:clrMapOvr>
+    <a:masterClrMapping/>
+  </p:clrMapOvr>
+</p:sld>
+</file>
+
+<file path=ppt/slides/slide8.xml><?xml version="1.0" encoding="utf-8"?>
+<p:sld xmlns:a="http://schemas.openxmlformats.org/drawingml/2006/main" xmlns:r="http://schemas.openxmlformats.org/officeDocument/2006/relationships" xmlns:p="http://schemas.openxmlformats.org/presentationml/2006/main">
+  <p:cSld>
+    <p:spTree>
+      <p:nvGrpSpPr>
+        <p:cNvPr id="1" name=""/>
+        <p:cNvGrpSpPr/>
+        <p:nvPr/>
+      </p:nvGrpSpPr>
+      <p:grpSpPr>
+        <a:xfrm>
+          <a:off x="0" y="0"/>
+          <a:ext cx="0" cy="0"/>
+          <a:chOff x="0" y="0"/>
+          <a:chExt cx="0" cy="0"/>
+        </a:xfrm>
+      </p:grpSpPr>
+      <p:sp>
+        <p:nvSpPr>
+          <p:cNvPr id="2" name="Title 1">
+            <a:extLst>
+              <a:ext uri="{FF2B5EF4-FFF2-40B4-BE49-F238E27FC236}">
+                <a16:creationId xmlns:a16="http://schemas.microsoft.com/office/drawing/2014/main" id="{E3A9F0FE-D43C-4B1C-82DA-13266F8E68E5}"/>
+              </a:ext>
+            </a:extLst>
+          </p:cNvPr>
+          <p:cNvSpPr>
+            <a:spLocks noGrp="1"/>
+          </p:cNvSpPr>
+          <p:nvPr>
+            <p:ph type="title"/>
+          </p:nvPr>
+        </p:nvSpPr>
+        <p:spPr/>
+        <p:txBody>
+          <a:bodyPr/>
+          <a:lstStyle/>
+          <a:p>
+            <a:r>
+              <a:rPr lang="en-US" dirty="0"/>
+              <a:t>Workflow</a:t>
+            </a:r>
+          </a:p>
+        </p:txBody>
+      </p:sp>
+      <p:pic>
+        <p:nvPicPr>
+          <p:cNvPr id="9" name="Content Placeholder 8" descr="Diagram&#10;&#10;Description automatically generated">
+            <a:extLst>
+              <a:ext uri="{FF2B5EF4-FFF2-40B4-BE49-F238E27FC236}">
+                <a16:creationId xmlns:a16="http://schemas.microsoft.com/office/drawing/2014/main" id="{1451F7E3-E2E4-4726-8D2C-345484C8F19C}"/>
+              </a:ext>
+            </a:extLst>
+          </p:cNvPr>
+          <p:cNvPicPr>
+            <a:picLocks noGrp="1" noChangeAspect="1"/>
+          </p:cNvPicPr>
+          <p:nvPr>
+            <p:ph idx="1"/>
+          </p:nvPr>
+        </p:nvPicPr>
+        <p:blipFill>
+          <a:blip r:embed="rId2">
+            <a:extLst>
+              <a:ext uri="{28A0092B-C50C-407E-A947-70E740481C1C}">
+                <a14:useLocalDpi xmlns:a14="http://schemas.microsoft.com/office/drawing/2010/main" val="0"/>
+              </a:ext>
+            </a:extLst>
+          </a:blip>
+          <a:stretch>
+            <a:fillRect/>
+          </a:stretch>
+        </p:blipFill>
+        <p:spPr>
+          <a:xfrm>
+            <a:off x="2209792" y="2629691"/>
+            <a:ext cx="7772416" cy="2743206"/>
+          </a:xfrm>
+        </p:spPr>
+      </p:pic>
+    </p:spTree>
+    <p:extLst>
+      <p:ext uri="{BB962C8B-B14F-4D97-AF65-F5344CB8AC3E}">
+        <p14:creationId xmlns:p14="http://schemas.microsoft.com/office/powerpoint/2010/main" val="1207107507"/>
       </p:ext>
     </p:extLst>
   </p:cSld>

--- a/2022-04-28 - AutoRest The Module Generator/PowerShell Summit 2022 - AutoRest.pptx
+++ b/2022-04-28 - AutoRest The Module Generator/PowerShell Summit 2022 - AutoRest.pptx
@@ -7,12 +7,13 @@
   <p:sldIdLst>
     <p:sldId id="256" r:id="rId2"/>
     <p:sldId id="257" r:id="rId3"/>
-    <p:sldId id="269" r:id="rId4"/>
-    <p:sldId id="258" r:id="rId5"/>
-    <p:sldId id="272" r:id="rId6"/>
-    <p:sldId id="271" r:id="rId7"/>
-    <p:sldId id="268" r:id="rId8"/>
-    <p:sldId id="273" r:id="rId9"/>
+    <p:sldId id="274" r:id="rId4"/>
+    <p:sldId id="269" r:id="rId5"/>
+    <p:sldId id="258" r:id="rId6"/>
+    <p:sldId id="272" r:id="rId7"/>
+    <p:sldId id="271" r:id="rId8"/>
+    <p:sldId id="268" r:id="rId9"/>
+    <p:sldId id="273" r:id="rId10"/>
   </p:sldIdLst>
   <p:sldSz cx="12192000" cy="6858000"/>
   <p:notesSz cx="6858000" cy="9144000"/>
@@ -266,7 +267,7 @@
           <a:p>
             <a:fld id="{D46B952B-F692-4DD1-9678-FCDA40C3FC40}" type="datetimeFigureOut">
               <a:rPr lang="en-US" smtClean="0"/>
-              <a:t>4/19/2022</a:t>
+              <a:t>4/21/2022</a:t>
             </a:fld>
             <a:endParaRPr lang="en-US"/>
           </a:p>
@@ -464,7 +465,7 @@
           <a:p>
             <a:fld id="{D46B952B-F692-4DD1-9678-FCDA40C3FC40}" type="datetimeFigureOut">
               <a:rPr lang="en-US" smtClean="0"/>
-              <a:t>4/19/2022</a:t>
+              <a:t>4/21/2022</a:t>
             </a:fld>
             <a:endParaRPr lang="en-US"/>
           </a:p>
@@ -672,7 +673,7 @@
           <a:p>
             <a:fld id="{D46B952B-F692-4DD1-9678-FCDA40C3FC40}" type="datetimeFigureOut">
               <a:rPr lang="en-US" smtClean="0"/>
-              <a:t>4/19/2022</a:t>
+              <a:t>4/21/2022</a:t>
             </a:fld>
             <a:endParaRPr lang="en-US"/>
           </a:p>
@@ -870,7 +871,7 @@
           <a:p>
             <a:fld id="{D46B952B-F692-4DD1-9678-FCDA40C3FC40}" type="datetimeFigureOut">
               <a:rPr lang="en-US" smtClean="0"/>
-              <a:t>4/19/2022</a:t>
+              <a:t>4/21/2022</a:t>
             </a:fld>
             <a:endParaRPr lang="en-US"/>
           </a:p>
@@ -1145,7 +1146,7 @@
           <a:p>
             <a:fld id="{D46B952B-F692-4DD1-9678-FCDA40C3FC40}" type="datetimeFigureOut">
               <a:rPr lang="en-US" smtClean="0"/>
-              <a:t>4/19/2022</a:t>
+              <a:t>4/21/2022</a:t>
             </a:fld>
             <a:endParaRPr lang="en-US"/>
           </a:p>
@@ -1410,7 +1411,7 @@
           <a:p>
             <a:fld id="{D46B952B-F692-4DD1-9678-FCDA40C3FC40}" type="datetimeFigureOut">
               <a:rPr lang="en-US" smtClean="0"/>
-              <a:t>4/19/2022</a:t>
+              <a:t>4/21/2022</a:t>
             </a:fld>
             <a:endParaRPr lang="en-US"/>
           </a:p>
@@ -1822,7 +1823,7 @@
           <a:p>
             <a:fld id="{D46B952B-F692-4DD1-9678-FCDA40C3FC40}" type="datetimeFigureOut">
               <a:rPr lang="en-US" smtClean="0"/>
-              <a:t>4/19/2022</a:t>
+              <a:t>4/21/2022</a:t>
             </a:fld>
             <a:endParaRPr lang="en-US"/>
           </a:p>
@@ -1963,7 +1964,7 @@
           <a:p>
             <a:fld id="{D46B952B-F692-4DD1-9678-FCDA40C3FC40}" type="datetimeFigureOut">
               <a:rPr lang="en-US" smtClean="0"/>
-              <a:t>4/19/2022</a:t>
+              <a:t>4/21/2022</a:t>
             </a:fld>
             <a:endParaRPr lang="en-US"/>
           </a:p>
@@ -2076,7 +2077,7 @@
           <a:p>
             <a:fld id="{D46B952B-F692-4DD1-9678-FCDA40C3FC40}" type="datetimeFigureOut">
               <a:rPr lang="en-US" smtClean="0"/>
-              <a:t>4/19/2022</a:t>
+              <a:t>4/21/2022</a:t>
             </a:fld>
             <a:endParaRPr lang="en-US"/>
           </a:p>
@@ -2387,7 +2388,7 @@
           <a:p>
             <a:fld id="{D46B952B-F692-4DD1-9678-FCDA40C3FC40}" type="datetimeFigureOut">
               <a:rPr lang="en-US" smtClean="0"/>
-              <a:t>4/19/2022</a:t>
+              <a:t>4/21/2022</a:t>
             </a:fld>
             <a:endParaRPr lang="en-US"/>
           </a:p>
@@ -2675,7 +2676,7 @@
           <a:p>
             <a:fld id="{D46B952B-F692-4DD1-9678-FCDA40C3FC40}" type="datetimeFigureOut">
               <a:rPr lang="en-US" smtClean="0"/>
-              <a:t>4/19/2022</a:t>
+              <a:t>4/21/2022</a:t>
             </a:fld>
             <a:endParaRPr lang="en-US"/>
           </a:p>
@@ -2925,7 +2926,7 @@
           <a:p>
             <a:fld id="{D46B952B-F692-4DD1-9678-FCDA40C3FC40}" type="datetimeFigureOut">
               <a:rPr lang="en-US" smtClean="0"/>
-              <a:t>4/19/2022</a:t>
+              <a:t>4/21/2022</a:t>
             </a:fld>
             <a:endParaRPr lang="en-US"/>
           </a:p>
@@ -4193,6 +4194,89 @@
           <p:cNvPr id="2" name="Title 1">
             <a:extLst>
               <a:ext uri="{FF2B5EF4-FFF2-40B4-BE49-F238E27FC236}">
+                <a16:creationId xmlns:a16="http://schemas.microsoft.com/office/drawing/2014/main" id="{BB3E164B-0288-47E3-80CA-3F64E9C5A679}"/>
+              </a:ext>
+            </a:extLst>
+          </p:cNvPr>
+          <p:cNvSpPr>
+            <a:spLocks noGrp="1"/>
+          </p:cNvSpPr>
+          <p:nvPr>
+            <p:ph type="title"/>
+          </p:nvPr>
+        </p:nvSpPr>
+        <p:spPr/>
+        <p:txBody>
+          <a:bodyPr/>
+          <a:lstStyle/>
+          <a:p>
+            <a:r>
+              <a:rPr lang="en-US" dirty="0"/>
+              <a:t>I like PowerShell</a:t>
+            </a:r>
+          </a:p>
+        </p:txBody>
+      </p:sp>
+      <p:sp>
+        <p:nvSpPr>
+          <p:cNvPr id="3" name="Text Placeholder 2">
+            <a:extLst>
+              <a:ext uri="{FF2B5EF4-FFF2-40B4-BE49-F238E27FC236}">
+                <a16:creationId xmlns:a16="http://schemas.microsoft.com/office/drawing/2014/main" id="{71FF68DB-01E1-4784-A3D5-C1123B6949BB}"/>
+              </a:ext>
+            </a:extLst>
+          </p:cNvPr>
+          <p:cNvSpPr>
+            <a:spLocks noGrp="1"/>
+          </p:cNvSpPr>
+          <p:nvPr>
+            <p:ph type="body" idx="1"/>
+          </p:nvPr>
+        </p:nvSpPr>
+        <p:spPr/>
+        <p:txBody>
+          <a:bodyPr/>
+          <a:lstStyle/>
+          <a:p>
+            <a:endParaRPr lang="en-US"/>
+          </a:p>
+        </p:txBody>
+      </p:sp>
+    </p:spTree>
+    <p:extLst>
+      <p:ext uri="{BB962C8B-B14F-4D97-AF65-F5344CB8AC3E}">
+        <p14:creationId xmlns:p14="http://schemas.microsoft.com/office/powerpoint/2010/main" val="3286385482"/>
+      </p:ext>
+    </p:extLst>
+  </p:cSld>
+  <p:clrMapOvr>
+    <a:masterClrMapping/>
+  </p:clrMapOvr>
+</p:sld>
+</file>
+
+<file path=ppt/slides/slide4.xml><?xml version="1.0" encoding="utf-8"?>
+<p:sld xmlns:a="http://schemas.openxmlformats.org/drawingml/2006/main" xmlns:r="http://schemas.openxmlformats.org/officeDocument/2006/relationships" xmlns:p="http://schemas.openxmlformats.org/presentationml/2006/main">
+  <p:cSld>
+    <p:spTree>
+      <p:nvGrpSpPr>
+        <p:cNvPr id="1" name=""/>
+        <p:cNvGrpSpPr/>
+        <p:nvPr/>
+      </p:nvGrpSpPr>
+      <p:grpSpPr>
+        <a:xfrm>
+          <a:off x="0" y="0"/>
+          <a:ext cx="0" cy="0"/>
+          <a:chOff x="0" y="0"/>
+          <a:chExt cx="0" cy="0"/>
+        </a:xfrm>
+      </p:grpSpPr>
+      <p:sp>
+        <p:nvSpPr>
+          <p:cNvPr id="2" name="Title 1">
+            <a:extLst>
+              <a:ext uri="{FF2B5EF4-FFF2-40B4-BE49-F238E27FC236}">
                 <a16:creationId xmlns:a16="http://schemas.microsoft.com/office/drawing/2014/main" id="{0BDA3766-FD99-427E-AF3F-465203174D13}"/>
               </a:ext>
             </a:extLst>
@@ -4585,7 +4669,7 @@
 </p:sld>
 </file>
 
-<file path=ppt/slides/slide4.xml><?xml version="1.0" encoding="utf-8"?>
+<file path=ppt/slides/slide5.xml><?xml version="1.0" encoding="utf-8"?>
 <p:sld xmlns:a="http://schemas.openxmlformats.org/drawingml/2006/main" xmlns:r="http://schemas.openxmlformats.org/officeDocument/2006/relationships" xmlns:p="http://schemas.openxmlformats.org/presentationml/2006/main">
   <p:cSld>
     <p:spTree>
@@ -4874,150 +4958,6 @@
 </p:sld>
 </file>
 
-<file path=ppt/slides/slide5.xml><?xml version="1.0" encoding="utf-8"?>
-<p:sld xmlns:a="http://schemas.openxmlformats.org/drawingml/2006/main" xmlns:r="http://schemas.openxmlformats.org/officeDocument/2006/relationships" xmlns:p="http://schemas.openxmlformats.org/presentationml/2006/main">
-  <p:cSld>
-    <p:spTree>
-      <p:nvGrpSpPr>
-        <p:cNvPr id="1" name=""/>
-        <p:cNvGrpSpPr/>
-        <p:nvPr/>
-      </p:nvGrpSpPr>
-      <p:grpSpPr>
-        <a:xfrm>
-          <a:off x="0" y="0"/>
-          <a:ext cx="0" cy="0"/>
-          <a:chOff x="0" y="0"/>
-          <a:chExt cx="0" cy="0"/>
-        </a:xfrm>
-      </p:grpSpPr>
-      <p:sp>
-        <p:nvSpPr>
-          <p:cNvPr id="2" name="Title 1">
-            <a:extLst>
-              <a:ext uri="{FF2B5EF4-FFF2-40B4-BE49-F238E27FC236}">
-                <a16:creationId xmlns:a16="http://schemas.microsoft.com/office/drawing/2014/main" id="{22EE2A52-8FF8-4737-A596-36F75D3C0AA9}"/>
-              </a:ext>
-            </a:extLst>
-          </p:cNvPr>
-          <p:cNvSpPr>
-            <a:spLocks noGrp="1"/>
-          </p:cNvSpPr>
-          <p:nvPr>
-            <p:ph type="title"/>
-          </p:nvPr>
-        </p:nvSpPr>
-        <p:spPr/>
-        <p:txBody>
-          <a:bodyPr/>
-          <a:lstStyle/>
-          <a:p>
-            <a:r>
-              <a:rPr lang="en-US" dirty="0"/>
-              <a:t>Overview</a:t>
-            </a:r>
-          </a:p>
-        </p:txBody>
-      </p:sp>
-      <p:sp>
-        <p:nvSpPr>
-          <p:cNvPr id="3" name="Content Placeholder 2">
-            <a:extLst>
-              <a:ext uri="{FF2B5EF4-FFF2-40B4-BE49-F238E27FC236}">
-                <a16:creationId xmlns:a16="http://schemas.microsoft.com/office/drawing/2014/main" id="{B01B009F-2E63-4A04-8BCE-C50D0F4ECE66}"/>
-              </a:ext>
-            </a:extLst>
-          </p:cNvPr>
-          <p:cNvSpPr>
-            <a:spLocks noGrp="1"/>
-          </p:cNvSpPr>
-          <p:nvPr>
-            <p:ph idx="1"/>
-          </p:nvPr>
-        </p:nvSpPr>
-        <p:spPr/>
-        <p:txBody>
-          <a:bodyPr/>
-          <a:lstStyle/>
-          <a:p>
-            <a:r>
-              <a:rPr lang="en-US" dirty="0"/>
-              <a:t>Brief setup of </a:t>
-            </a:r>
-            <a:r>
-              <a:rPr lang="en-US" dirty="0" err="1"/>
-              <a:t>AutoRest</a:t>
-            </a:r>
-            <a:r>
-              <a:rPr lang="en-US" dirty="0"/>
-              <a:t> &amp; </a:t>
-            </a:r>
-            <a:r>
-              <a:rPr lang="en-US" dirty="0" err="1"/>
-              <a:t>AutoRest.PowerShell</a:t>
-            </a:r>
-            <a:endParaRPr lang="en-US" dirty="0"/>
-          </a:p>
-          <a:p>
-            <a:r>
-              <a:rPr lang="en-US" dirty="0"/>
-              <a:t>Overview of a simple </a:t>
-            </a:r>
-            <a:r>
-              <a:rPr lang="en-US" dirty="0" err="1"/>
-              <a:t>OpenAPI</a:t>
-            </a:r>
-            <a:r>
-              <a:rPr lang="en-US" dirty="0"/>
-              <a:t> file</a:t>
-            </a:r>
-          </a:p>
-          <a:p>
-            <a:pPr lvl="1"/>
-            <a:r>
-              <a:rPr lang="en-US" dirty="0"/>
-              <a:t>Including Authentication and basic CRUD</a:t>
-            </a:r>
-          </a:p>
-          <a:p>
-            <a:r>
-              <a:rPr lang="en-US" dirty="0"/>
-              <a:t>Build a module</a:t>
-            </a:r>
-          </a:p>
-          <a:p>
-            <a:r>
-              <a:rPr lang="en-US" dirty="0"/>
-              <a:t>Adding Authentication</a:t>
-            </a:r>
-          </a:p>
-          <a:p>
-            <a:r>
-              <a:rPr lang="en-US" dirty="0"/>
-              <a:t>Adding cmdlets</a:t>
-            </a:r>
-          </a:p>
-          <a:p>
-            <a:r>
-              <a:rPr lang="en-US" dirty="0"/>
-              <a:t>Using directives for customization</a:t>
-            </a:r>
-          </a:p>
-        </p:txBody>
-      </p:sp>
-    </p:spTree>
-    <p:extLst>
-      <p:ext uri="{BB962C8B-B14F-4D97-AF65-F5344CB8AC3E}">
-        <p14:creationId xmlns:p14="http://schemas.microsoft.com/office/powerpoint/2010/main" val="2401618461"/>
-      </p:ext>
-    </p:extLst>
-  </p:cSld>
-  <p:clrMapOvr>
-    <a:masterClrMapping/>
-  </p:clrMapOvr>
-</p:sld>
-</file>
-
 <file path=ppt/slides/slide6.xml><?xml version="1.0" encoding="utf-8"?>
 <p:sld xmlns:a="http://schemas.openxmlformats.org/drawingml/2006/main" xmlns:r="http://schemas.openxmlformats.org/officeDocument/2006/relationships" xmlns:p="http://schemas.openxmlformats.org/presentationml/2006/main">
   <p:cSld>
@@ -5040,7 +4980,7 @@
           <p:cNvPr id="2" name="Title 1">
             <a:extLst>
               <a:ext uri="{FF2B5EF4-FFF2-40B4-BE49-F238E27FC236}">
-                <a16:creationId xmlns:a16="http://schemas.microsoft.com/office/drawing/2014/main" id="{848E72F1-F67E-4AEF-9E86-14F48B4E54AB}"/>
+                <a16:creationId xmlns:a16="http://schemas.microsoft.com/office/drawing/2014/main" id="{22EE2A52-8FF8-4737-A596-36F75D3C0AA9}"/>
               </a:ext>
             </a:extLst>
           </p:cNvPr>
@@ -5058,7 +4998,7 @@
           <a:p>
             <a:r>
               <a:rPr lang="en-US" dirty="0"/>
-              <a:t>Prerequisites </a:t>
+              <a:t>Overview</a:t>
             </a:r>
           </a:p>
         </p:txBody>
@@ -5068,7 +5008,7 @@
           <p:cNvPr id="3" name="Content Placeholder 2">
             <a:extLst>
               <a:ext uri="{FF2B5EF4-FFF2-40B4-BE49-F238E27FC236}">
-                <a16:creationId xmlns:a16="http://schemas.microsoft.com/office/drawing/2014/main" id="{6420E0E3-B7A2-4D43-9E12-6ABB0339C165}"/>
+                <a16:creationId xmlns:a16="http://schemas.microsoft.com/office/drawing/2014/main" id="{B01B009F-2E63-4A04-8BCE-C50D0F4ECE66}"/>
               </a:ext>
             </a:extLst>
           </p:cNvPr>
@@ -5086,23 +5026,16 @@
           <a:p>
             <a:r>
               <a:rPr lang="en-US" dirty="0"/>
-              <a:t>Node.js</a:t>
-            </a:r>
-          </a:p>
-          <a:p>
-            <a:r>
-              <a:rPr lang="en-US" dirty="0"/>
-              <a:t>Dotnet SDK 2.2</a:t>
-            </a:r>
-          </a:p>
-          <a:p>
+              <a:t>Brief setup of </a:t>
+            </a:r>
             <a:r>
               <a:rPr lang="en-US" dirty="0" err="1"/>
               <a:t>AutoRest</a:t>
             </a:r>
-            <a:endParaRPr lang="en-US" dirty="0"/>
-          </a:p>
-          <a:p>
+            <a:r>
+              <a:rPr lang="en-US" dirty="0"/>
+              <a:t> &amp; </a:t>
+            </a:r>
             <a:r>
               <a:rPr lang="en-US" dirty="0" err="1"/>
               <a:t>AutoRest.PowerShell</a:t>
@@ -5112,7 +5045,46 @@
           <a:p>
             <a:r>
               <a:rPr lang="en-US" dirty="0"/>
-              <a:t>PowerShell 6+</a:t>
+              <a:t>Overview of a simple </a:t>
+            </a:r>
+            <a:r>
+              <a:rPr lang="en-US" dirty="0" err="1"/>
+              <a:t>OpenAPI</a:t>
+            </a:r>
+            <a:r>
+              <a:rPr lang="en-US" dirty="0"/>
+              <a:t> file</a:t>
+            </a:r>
+          </a:p>
+          <a:p>
+            <a:pPr lvl="1"/>
+            <a:r>
+              <a:rPr lang="en-US" dirty="0"/>
+              <a:t>Including Authentication and basic CRUD</a:t>
+            </a:r>
+          </a:p>
+          <a:p>
+            <a:r>
+              <a:rPr lang="en-US" dirty="0"/>
+              <a:t>Build a module</a:t>
+            </a:r>
+          </a:p>
+          <a:p>
+            <a:r>
+              <a:rPr lang="en-US" dirty="0"/>
+              <a:t>Adding Authentication</a:t>
+            </a:r>
+          </a:p>
+          <a:p>
+            <a:r>
+              <a:rPr lang="en-US" dirty="0"/>
+              <a:t>Adding cmdlets</a:t>
+            </a:r>
+          </a:p>
+          <a:p>
+            <a:r>
+              <a:rPr lang="en-US" dirty="0"/>
+              <a:t>Using directives for customization</a:t>
             </a:r>
           </a:p>
         </p:txBody>
@@ -5120,7 +5092,7 @@
     </p:spTree>
     <p:extLst>
       <p:ext uri="{BB962C8B-B14F-4D97-AF65-F5344CB8AC3E}">
-        <p14:creationId xmlns:p14="http://schemas.microsoft.com/office/powerpoint/2010/main" val="4066512176"/>
+        <p14:creationId xmlns:p14="http://schemas.microsoft.com/office/powerpoint/2010/main" val="2401618461"/>
       </p:ext>
     </p:extLst>
   </p:cSld>
@@ -5152,6 +5124,118 @@
           <p:cNvPr id="2" name="Title 1">
             <a:extLst>
               <a:ext uri="{FF2B5EF4-FFF2-40B4-BE49-F238E27FC236}">
+                <a16:creationId xmlns:a16="http://schemas.microsoft.com/office/drawing/2014/main" id="{848E72F1-F67E-4AEF-9E86-14F48B4E54AB}"/>
+              </a:ext>
+            </a:extLst>
+          </p:cNvPr>
+          <p:cNvSpPr>
+            <a:spLocks noGrp="1"/>
+          </p:cNvSpPr>
+          <p:nvPr>
+            <p:ph type="title"/>
+          </p:nvPr>
+        </p:nvSpPr>
+        <p:spPr/>
+        <p:txBody>
+          <a:bodyPr/>
+          <a:lstStyle/>
+          <a:p>
+            <a:r>
+              <a:rPr lang="en-US" dirty="0"/>
+              <a:t>Prerequisites </a:t>
+            </a:r>
+          </a:p>
+        </p:txBody>
+      </p:sp>
+      <p:sp>
+        <p:nvSpPr>
+          <p:cNvPr id="3" name="Content Placeholder 2">
+            <a:extLst>
+              <a:ext uri="{FF2B5EF4-FFF2-40B4-BE49-F238E27FC236}">
+                <a16:creationId xmlns:a16="http://schemas.microsoft.com/office/drawing/2014/main" id="{6420E0E3-B7A2-4D43-9E12-6ABB0339C165}"/>
+              </a:ext>
+            </a:extLst>
+          </p:cNvPr>
+          <p:cNvSpPr>
+            <a:spLocks noGrp="1"/>
+          </p:cNvSpPr>
+          <p:nvPr>
+            <p:ph idx="1"/>
+          </p:nvPr>
+        </p:nvSpPr>
+        <p:spPr/>
+        <p:txBody>
+          <a:bodyPr/>
+          <a:lstStyle/>
+          <a:p>
+            <a:r>
+              <a:rPr lang="en-US" dirty="0"/>
+              <a:t>Node.js</a:t>
+            </a:r>
+          </a:p>
+          <a:p>
+            <a:r>
+              <a:rPr lang="en-US" dirty="0"/>
+              <a:t>Dotnet SDK 2.2</a:t>
+            </a:r>
+          </a:p>
+          <a:p>
+            <a:r>
+              <a:rPr lang="en-US" dirty="0" err="1"/>
+              <a:t>AutoRest</a:t>
+            </a:r>
+            <a:endParaRPr lang="en-US" dirty="0"/>
+          </a:p>
+          <a:p>
+            <a:r>
+              <a:rPr lang="en-US" dirty="0" err="1"/>
+              <a:t>AutoRest.PowerShell</a:t>
+            </a:r>
+            <a:endParaRPr lang="en-US" dirty="0"/>
+          </a:p>
+          <a:p>
+            <a:r>
+              <a:rPr lang="en-US" dirty="0"/>
+              <a:t>PowerShell 6+</a:t>
+            </a:r>
+          </a:p>
+        </p:txBody>
+      </p:sp>
+    </p:spTree>
+    <p:extLst>
+      <p:ext uri="{BB962C8B-B14F-4D97-AF65-F5344CB8AC3E}">
+        <p14:creationId xmlns:p14="http://schemas.microsoft.com/office/powerpoint/2010/main" val="4066512176"/>
+      </p:ext>
+    </p:extLst>
+  </p:cSld>
+  <p:clrMapOvr>
+    <a:masterClrMapping/>
+  </p:clrMapOvr>
+</p:sld>
+</file>
+
+<file path=ppt/slides/slide8.xml><?xml version="1.0" encoding="utf-8"?>
+<p:sld xmlns:a="http://schemas.openxmlformats.org/drawingml/2006/main" xmlns:r="http://schemas.openxmlformats.org/officeDocument/2006/relationships" xmlns:p="http://schemas.openxmlformats.org/presentationml/2006/main">
+  <p:cSld>
+    <p:spTree>
+      <p:nvGrpSpPr>
+        <p:cNvPr id="1" name=""/>
+        <p:cNvGrpSpPr/>
+        <p:nvPr/>
+      </p:nvGrpSpPr>
+      <p:grpSpPr>
+        <a:xfrm>
+          <a:off x="0" y="0"/>
+          <a:ext cx="0" cy="0"/>
+          <a:chOff x="0" y="0"/>
+          <a:chExt cx="0" cy="0"/>
+        </a:xfrm>
+      </p:grpSpPr>
+      <p:sp>
+        <p:nvSpPr>
+          <p:cNvPr id="2" name="Title 1">
+            <a:extLst>
+              <a:ext uri="{FF2B5EF4-FFF2-40B4-BE49-F238E27FC236}">
                 <a16:creationId xmlns:a16="http://schemas.microsoft.com/office/drawing/2014/main" id="{F1661924-E51B-4AA1-A1C5-C9AD9EE32D81}"/>
               </a:ext>
             </a:extLst>
@@ -5234,7 +5318,7 @@
 </p:sld>
 </file>
 
-<file path=ppt/slides/slide8.xml><?xml version="1.0" encoding="utf-8"?>
+<file path=ppt/slides/slide9.xml><?xml version="1.0" encoding="utf-8"?>
 <p:sld xmlns:a="http://schemas.openxmlformats.org/drawingml/2006/main" xmlns:r="http://schemas.openxmlformats.org/officeDocument/2006/relationships" xmlns:p="http://schemas.openxmlformats.org/presentationml/2006/main">
   <p:cSld>
     <p:spTree>

--- a/2022-04-28 - AutoRest The Module Generator/PowerShell Summit 2022 - AutoRest.pptx
+++ b/2022-04-28 - AutoRest The Module Generator/PowerShell Summit 2022 - AutoRest.pptx
@@ -7,13 +7,14 @@
   <p:sldIdLst>
     <p:sldId id="256" r:id="rId2"/>
     <p:sldId id="257" r:id="rId3"/>
-    <p:sldId id="274" r:id="rId4"/>
-    <p:sldId id="269" r:id="rId5"/>
-    <p:sldId id="258" r:id="rId6"/>
-    <p:sldId id="272" r:id="rId7"/>
-    <p:sldId id="271" r:id="rId8"/>
-    <p:sldId id="268" r:id="rId9"/>
-    <p:sldId id="273" r:id="rId10"/>
+    <p:sldId id="277" r:id="rId4"/>
+    <p:sldId id="274" r:id="rId5"/>
+    <p:sldId id="269" r:id="rId6"/>
+    <p:sldId id="258" r:id="rId7"/>
+    <p:sldId id="272" r:id="rId8"/>
+    <p:sldId id="271" r:id="rId9"/>
+    <p:sldId id="268" r:id="rId10"/>
+    <p:sldId id="273" r:id="rId11"/>
   </p:sldIdLst>
   <p:sldSz cx="12192000" cy="6858000"/>
   <p:notesSz cx="6858000" cy="9144000"/>
@@ -267,7 +268,7 @@
           <a:p>
             <a:fld id="{D46B952B-F692-4DD1-9678-FCDA40C3FC40}" type="datetimeFigureOut">
               <a:rPr lang="en-US" smtClean="0"/>
-              <a:t>4/21/2022</a:t>
+              <a:t>4/25/2022</a:t>
             </a:fld>
             <a:endParaRPr lang="en-US"/>
           </a:p>
@@ -465,7 +466,7 @@
           <a:p>
             <a:fld id="{D46B952B-F692-4DD1-9678-FCDA40C3FC40}" type="datetimeFigureOut">
               <a:rPr lang="en-US" smtClean="0"/>
-              <a:t>4/21/2022</a:t>
+              <a:t>4/25/2022</a:t>
             </a:fld>
             <a:endParaRPr lang="en-US"/>
           </a:p>
@@ -673,7 +674,7 @@
           <a:p>
             <a:fld id="{D46B952B-F692-4DD1-9678-FCDA40C3FC40}" type="datetimeFigureOut">
               <a:rPr lang="en-US" smtClean="0"/>
-              <a:t>4/21/2022</a:t>
+              <a:t>4/25/2022</a:t>
             </a:fld>
             <a:endParaRPr lang="en-US"/>
           </a:p>
@@ -871,7 +872,7 @@
           <a:p>
             <a:fld id="{D46B952B-F692-4DD1-9678-FCDA40C3FC40}" type="datetimeFigureOut">
               <a:rPr lang="en-US" smtClean="0"/>
-              <a:t>4/21/2022</a:t>
+              <a:t>4/25/2022</a:t>
             </a:fld>
             <a:endParaRPr lang="en-US"/>
           </a:p>
@@ -1146,7 +1147,7 @@
           <a:p>
             <a:fld id="{D46B952B-F692-4DD1-9678-FCDA40C3FC40}" type="datetimeFigureOut">
               <a:rPr lang="en-US" smtClean="0"/>
-              <a:t>4/21/2022</a:t>
+              <a:t>4/25/2022</a:t>
             </a:fld>
             <a:endParaRPr lang="en-US"/>
           </a:p>
@@ -1411,7 +1412,7 @@
           <a:p>
             <a:fld id="{D46B952B-F692-4DD1-9678-FCDA40C3FC40}" type="datetimeFigureOut">
               <a:rPr lang="en-US" smtClean="0"/>
-              <a:t>4/21/2022</a:t>
+              <a:t>4/25/2022</a:t>
             </a:fld>
             <a:endParaRPr lang="en-US"/>
           </a:p>
@@ -1823,7 +1824,7 @@
           <a:p>
             <a:fld id="{D46B952B-F692-4DD1-9678-FCDA40C3FC40}" type="datetimeFigureOut">
               <a:rPr lang="en-US" smtClean="0"/>
-              <a:t>4/21/2022</a:t>
+              <a:t>4/25/2022</a:t>
             </a:fld>
             <a:endParaRPr lang="en-US"/>
           </a:p>
@@ -1964,7 +1965,7 @@
           <a:p>
             <a:fld id="{D46B952B-F692-4DD1-9678-FCDA40C3FC40}" type="datetimeFigureOut">
               <a:rPr lang="en-US" smtClean="0"/>
-              <a:t>4/21/2022</a:t>
+              <a:t>4/25/2022</a:t>
             </a:fld>
             <a:endParaRPr lang="en-US"/>
           </a:p>
@@ -2077,7 +2078,7 @@
           <a:p>
             <a:fld id="{D46B952B-F692-4DD1-9678-FCDA40C3FC40}" type="datetimeFigureOut">
               <a:rPr lang="en-US" smtClean="0"/>
-              <a:t>4/21/2022</a:t>
+              <a:t>4/25/2022</a:t>
             </a:fld>
             <a:endParaRPr lang="en-US"/>
           </a:p>
@@ -2388,7 +2389,7 @@
           <a:p>
             <a:fld id="{D46B952B-F692-4DD1-9678-FCDA40C3FC40}" type="datetimeFigureOut">
               <a:rPr lang="en-US" smtClean="0"/>
-              <a:t>4/21/2022</a:t>
+              <a:t>4/25/2022</a:t>
             </a:fld>
             <a:endParaRPr lang="en-US"/>
           </a:p>
@@ -2676,7 +2677,7 @@
           <a:p>
             <a:fld id="{D46B952B-F692-4DD1-9678-FCDA40C3FC40}" type="datetimeFigureOut">
               <a:rPr lang="en-US" smtClean="0"/>
-              <a:t>4/21/2022</a:t>
+              <a:t>4/25/2022</a:t>
             </a:fld>
             <a:endParaRPr lang="en-US"/>
           </a:p>
@@ -2926,7 +2927,7 @@
           <a:p>
             <a:fld id="{D46B952B-F692-4DD1-9678-FCDA40C3FC40}" type="datetimeFigureOut">
               <a:rPr lang="en-US" smtClean="0"/>
-              <a:t>4/21/2022</a:t>
+              <a:t>4/25/2022</a:t>
             </a:fld>
             <a:endParaRPr lang="en-US"/>
           </a:p>
@@ -3426,6 +3427,99 @@
     <p:extLst>
       <p:ext uri="{BB962C8B-B14F-4D97-AF65-F5344CB8AC3E}">
         <p14:creationId xmlns:p14="http://schemas.microsoft.com/office/powerpoint/2010/main" val="730559245"/>
+      </p:ext>
+    </p:extLst>
+  </p:cSld>
+  <p:clrMapOvr>
+    <a:masterClrMapping/>
+  </p:clrMapOvr>
+</p:sld>
+</file>
+
+<file path=ppt/slides/slide10.xml><?xml version="1.0" encoding="utf-8"?>
+<p:sld xmlns:a="http://schemas.openxmlformats.org/drawingml/2006/main" xmlns:r="http://schemas.openxmlformats.org/officeDocument/2006/relationships" xmlns:p="http://schemas.openxmlformats.org/presentationml/2006/main">
+  <p:cSld>
+    <p:spTree>
+      <p:nvGrpSpPr>
+        <p:cNvPr id="1" name=""/>
+        <p:cNvGrpSpPr/>
+        <p:nvPr/>
+      </p:nvGrpSpPr>
+      <p:grpSpPr>
+        <a:xfrm>
+          <a:off x="0" y="0"/>
+          <a:ext cx="0" cy="0"/>
+          <a:chOff x="0" y="0"/>
+          <a:chExt cx="0" cy="0"/>
+        </a:xfrm>
+      </p:grpSpPr>
+      <p:sp>
+        <p:nvSpPr>
+          <p:cNvPr id="2" name="Title 1">
+            <a:extLst>
+              <a:ext uri="{FF2B5EF4-FFF2-40B4-BE49-F238E27FC236}">
+                <a16:creationId xmlns:a16="http://schemas.microsoft.com/office/drawing/2014/main" id="{E3A9F0FE-D43C-4B1C-82DA-13266F8E68E5}"/>
+              </a:ext>
+            </a:extLst>
+          </p:cNvPr>
+          <p:cNvSpPr>
+            <a:spLocks noGrp="1"/>
+          </p:cNvSpPr>
+          <p:nvPr>
+            <p:ph type="title"/>
+          </p:nvPr>
+        </p:nvSpPr>
+        <p:spPr/>
+        <p:txBody>
+          <a:bodyPr/>
+          <a:lstStyle/>
+          <a:p>
+            <a:r>
+              <a:rPr lang="en-US" dirty="0"/>
+              <a:t>Workflow</a:t>
+            </a:r>
+          </a:p>
+        </p:txBody>
+      </p:sp>
+      <p:pic>
+        <p:nvPicPr>
+          <p:cNvPr id="9" name="Content Placeholder 8" descr="Diagram&#10;&#10;Description automatically generated">
+            <a:extLst>
+              <a:ext uri="{FF2B5EF4-FFF2-40B4-BE49-F238E27FC236}">
+                <a16:creationId xmlns:a16="http://schemas.microsoft.com/office/drawing/2014/main" id="{1451F7E3-E2E4-4726-8D2C-345484C8F19C}"/>
+              </a:ext>
+            </a:extLst>
+          </p:cNvPr>
+          <p:cNvPicPr>
+            <a:picLocks noGrp="1" noChangeAspect="1"/>
+          </p:cNvPicPr>
+          <p:nvPr>
+            <p:ph idx="1"/>
+          </p:nvPr>
+        </p:nvPicPr>
+        <p:blipFill>
+          <a:blip r:embed="rId2">
+            <a:extLst>
+              <a:ext uri="{28A0092B-C50C-407E-A947-70E740481C1C}">
+                <a14:useLocalDpi xmlns:a14="http://schemas.microsoft.com/office/drawing/2010/main" val="0"/>
+              </a:ext>
+            </a:extLst>
+          </a:blip>
+          <a:stretch>
+            <a:fillRect/>
+          </a:stretch>
+        </p:blipFill>
+        <p:spPr>
+          <a:xfrm>
+            <a:off x="2209792" y="2629691"/>
+            <a:ext cx="7772416" cy="2743206"/>
+          </a:xfrm>
+        </p:spPr>
+      </p:pic>
+    </p:spTree>
+    <p:extLst>
+      <p:ext uri="{BB962C8B-B14F-4D97-AF65-F5344CB8AC3E}">
+        <p14:creationId xmlns:p14="http://schemas.microsoft.com/office/powerpoint/2010/main" val="1207107507"/>
       </p:ext>
     </p:extLst>
   </p:cSld>
@@ -4194,6 +4288,113 @@
           <p:cNvPr id="2" name="Title 1">
             <a:extLst>
               <a:ext uri="{FF2B5EF4-FFF2-40B4-BE49-F238E27FC236}">
+                <a16:creationId xmlns:a16="http://schemas.microsoft.com/office/drawing/2014/main" id="{6565FD82-9732-4750-8699-88FFD2186064}"/>
+              </a:ext>
+            </a:extLst>
+          </p:cNvPr>
+          <p:cNvSpPr>
+            <a:spLocks noGrp="1"/>
+          </p:cNvSpPr>
+          <p:nvPr>
+            <p:ph type="title"/>
+          </p:nvPr>
+        </p:nvSpPr>
+        <p:spPr/>
+        <p:txBody>
+          <a:bodyPr/>
+          <a:lstStyle/>
+          <a:p>
+            <a:r>
+              <a:rPr lang="en-US" dirty="0"/>
+              <a:t>Eugene, Oregon</a:t>
+            </a:r>
+          </a:p>
+        </p:txBody>
+      </p:sp>
+      <p:pic>
+        <p:nvPicPr>
+          <p:cNvPr id="1026" name="Picture 2">
+            <a:extLst>
+              <a:ext uri="{FF2B5EF4-FFF2-40B4-BE49-F238E27FC236}">
+                <a16:creationId xmlns:a16="http://schemas.microsoft.com/office/drawing/2014/main" id="{A8A15C21-5A54-4C7D-BD14-A6EFA3A2859F}"/>
+              </a:ext>
+            </a:extLst>
+          </p:cNvPr>
+          <p:cNvPicPr>
+            <a:picLocks noGrp="1" noChangeAspect="1" noChangeArrowheads="1"/>
+          </p:cNvPicPr>
+          <p:nvPr>
+            <p:ph idx="1"/>
+          </p:nvPr>
+        </p:nvPicPr>
+        <p:blipFill>
+          <a:blip r:embed="rId2">
+            <a:extLst>
+              <a:ext uri="{28A0092B-C50C-407E-A947-70E740481C1C}">
+                <a14:useLocalDpi xmlns:a14="http://schemas.microsoft.com/office/drawing/2010/main" val="0"/>
+              </a:ext>
+            </a:extLst>
+          </a:blip>
+          <a:srcRect/>
+          <a:stretch>
+            <a:fillRect/>
+          </a:stretch>
+        </p:blipFill>
+        <p:spPr bwMode="auto">
+          <a:xfrm>
+            <a:off x="4063895" y="2578821"/>
+            <a:ext cx="4064209" cy="2844946"/>
+          </a:xfrm>
+          <a:prstGeom prst="rect">
+            <a:avLst/>
+          </a:prstGeom>
+          <a:noFill/>
+          <a:extLst>
+            <a:ext uri="{909E8E84-426E-40DD-AFC4-6F175D3DCCD1}">
+              <a14:hiddenFill xmlns:a14="http://schemas.microsoft.com/office/drawing/2010/main">
+                <a:solidFill>
+                  <a:srgbClr val="FFFFFF"/>
+                </a:solidFill>
+              </a14:hiddenFill>
+            </a:ext>
+          </a:extLst>
+        </p:spPr>
+      </p:pic>
+    </p:spTree>
+    <p:extLst>
+      <p:ext uri="{BB962C8B-B14F-4D97-AF65-F5344CB8AC3E}">
+        <p14:creationId xmlns:p14="http://schemas.microsoft.com/office/powerpoint/2010/main" val="103183490"/>
+      </p:ext>
+    </p:extLst>
+  </p:cSld>
+  <p:clrMapOvr>
+    <a:masterClrMapping/>
+  </p:clrMapOvr>
+</p:sld>
+</file>
+
+<file path=ppt/slides/slide4.xml><?xml version="1.0" encoding="utf-8"?>
+<p:sld xmlns:a="http://schemas.openxmlformats.org/drawingml/2006/main" xmlns:r="http://schemas.openxmlformats.org/officeDocument/2006/relationships" xmlns:p="http://schemas.openxmlformats.org/presentationml/2006/main">
+  <p:cSld>
+    <p:spTree>
+      <p:nvGrpSpPr>
+        <p:cNvPr id="1" name=""/>
+        <p:cNvGrpSpPr/>
+        <p:nvPr/>
+      </p:nvGrpSpPr>
+      <p:grpSpPr>
+        <a:xfrm>
+          <a:off x="0" y="0"/>
+          <a:ext cx="0" cy="0"/>
+          <a:chOff x="0" y="0"/>
+          <a:chExt cx="0" cy="0"/>
+        </a:xfrm>
+      </p:grpSpPr>
+      <p:sp>
+        <p:nvSpPr>
+          <p:cNvPr id="2" name="Title 1">
+            <a:extLst>
+              <a:ext uri="{FF2B5EF4-FFF2-40B4-BE49-F238E27FC236}">
                 <a16:creationId xmlns:a16="http://schemas.microsoft.com/office/drawing/2014/main" id="{BB3E164B-0288-47E3-80CA-3F64E9C5A679}"/>
               </a:ext>
             </a:extLst>
@@ -4255,7 +4456,7 @@
 </p:sld>
 </file>
 
-<file path=ppt/slides/slide4.xml><?xml version="1.0" encoding="utf-8"?>
+<file path=ppt/slides/slide5.xml><?xml version="1.0" encoding="utf-8"?>
 <p:sld xmlns:a="http://schemas.openxmlformats.org/drawingml/2006/main" xmlns:r="http://schemas.openxmlformats.org/officeDocument/2006/relationships" xmlns:p="http://schemas.openxmlformats.org/presentationml/2006/main">
   <p:cSld>
     <p:spTree>
@@ -4669,7 +4870,7 @@
 </p:sld>
 </file>
 
-<file path=ppt/slides/slide5.xml><?xml version="1.0" encoding="utf-8"?>
+<file path=ppt/slides/slide6.xml><?xml version="1.0" encoding="utf-8"?>
 <p:sld xmlns:a="http://schemas.openxmlformats.org/drawingml/2006/main" xmlns:r="http://schemas.openxmlformats.org/officeDocument/2006/relationships" xmlns:p="http://schemas.openxmlformats.org/presentationml/2006/main">
   <p:cSld>
     <p:spTree>
@@ -4958,150 +5159,6 @@
 </p:sld>
 </file>
 
-<file path=ppt/slides/slide6.xml><?xml version="1.0" encoding="utf-8"?>
-<p:sld xmlns:a="http://schemas.openxmlformats.org/drawingml/2006/main" xmlns:r="http://schemas.openxmlformats.org/officeDocument/2006/relationships" xmlns:p="http://schemas.openxmlformats.org/presentationml/2006/main">
-  <p:cSld>
-    <p:spTree>
-      <p:nvGrpSpPr>
-        <p:cNvPr id="1" name=""/>
-        <p:cNvGrpSpPr/>
-        <p:nvPr/>
-      </p:nvGrpSpPr>
-      <p:grpSpPr>
-        <a:xfrm>
-          <a:off x="0" y="0"/>
-          <a:ext cx="0" cy="0"/>
-          <a:chOff x="0" y="0"/>
-          <a:chExt cx="0" cy="0"/>
-        </a:xfrm>
-      </p:grpSpPr>
-      <p:sp>
-        <p:nvSpPr>
-          <p:cNvPr id="2" name="Title 1">
-            <a:extLst>
-              <a:ext uri="{FF2B5EF4-FFF2-40B4-BE49-F238E27FC236}">
-                <a16:creationId xmlns:a16="http://schemas.microsoft.com/office/drawing/2014/main" id="{22EE2A52-8FF8-4737-A596-36F75D3C0AA9}"/>
-              </a:ext>
-            </a:extLst>
-          </p:cNvPr>
-          <p:cNvSpPr>
-            <a:spLocks noGrp="1"/>
-          </p:cNvSpPr>
-          <p:nvPr>
-            <p:ph type="title"/>
-          </p:nvPr>
-        </p:nvSpPr>
-        <p:spPr/>
-        <p:txBody>
-          <a:bodyPr/>
-          <a:lstStyle/>
-          <a:p>
-            <a:r>
-              <a:rPr lang="en-US" dirty="0"/>
-              <a:t>Overview</a:t>
-            </a:r>
-          </a:p>
-        </p:txBody>
-      </p:sp>
-      <p:sp>
-        <p:nvSpPr>
-          <p:cNvPr id="3" name="Content Placeholder 2">
-            <a:extLst>
-              <a:ext uri="{FF2B5EF4-FFF2-40B4-BE49-F238E27FC236}">
-                <a16:creationId xmlns:a16="http://schemas.microsoft.com/office/drawing/2014/main" id="{B01B009F-2E63-4A04-8BCE-C50D0F4ECE66}"/>
-              </a:ext>
-            </a:extLst>
-          </p:cNvPr>
-          <p:cNvSpPr>
-            <a:spLocks noGrp="1"/>
-          </p:cNvSpPr>
-          <p:nvPr>
-            <p:ph idx="1"/>
-          </p:nvPr>
-        </p:nvSpPr>
-        <p:spPr/>
-        <p:txBody>
-          <a:bodyPr/>
-          <a:lstStyle/>
-          <a:p>
-            <a:r>
-              <a:rPr lang="en-US" dirty="0"/>
-              <a:t>Brief setup of </a:t>
-            </a:r>
-            <a:r>
-              <a:rPr lang="en-US" dirty="0" err="1"/>
-              <a:t>AutoRest</a:t>
-            </a:r>
-            <a:r>
-              <a:rPr lang="en-US" dirty="0"/>
-              <a:t> &amp; </a:t>
-            </a:r>
-            <a:r>
-              <a:rPr lang="en-US" dirty="0" err="1"/>
-              <a:t>AutoRest.PowerShell</a:t>
-            </a:r>
-            <a:endParaRPr lang="en-US" dirty="0"/>
-          </a:p>
-          <a:p>
-            <a:r>
-              <a:rPr lang="en-US" dirty="0"/>
-              <a:t>Overview of a simple </a:t>
-            </a:r>
-            <a:r>
-              <a:rPr lang="en-US" dirty="0" err="1"/>
-              <a:t>OpenAPI</a:t>
-            </a:r>
-            <a:r>
-              <a:rPr lang="en-US" dirty="0"/>
-              <a:t> file</a:t>
-            </a:r>
-          </a:p>
-          <a:p>
-            <a:pPr lvl="1"/>
-            <a:r>
-              <a:rPr lang="en-US" dirty="0"/>
-              <a:t>Including Authentication and basic CRUD</a:t>
-            </a:r>
-          </a:p>
-          <a:p>
-            <a:r>
-              <a:rPr lang="en-US" dirty="0"/>
-              <a:t>Build a module</a:t>
-            </a:r>
-          </a:p>
-          <a:p>
-            <a:r>
-              <a:rPr lang="en-US" dirty="0"/>
-              <a:t>Adding Authentication</a:t>
-            </a:r>
-          </a:p>
-          <a:p>
-            <a:r>
-              <a:rPr lang="en-US" dirty="0"/>
-              <a:t>Adding cmdlets</a:t>
-            </a:r>
-          </a:p>
-          <a:p>
-            <a:r>
-              <a:rPr lang="en-US" dirty="0"/>
-              <a:t>Using directives for customization</a:t>
-            </a:r>
-          </a:p>
-        </p:txBody>
-      </p:sp>
-    </p:spTree>
-    <p:extLst>
-      <p:ext uri="{BB962C8B-B14F-4D97-AF65-F5344CB8AC3E}">
-        <p14:creationId xmlns:p14="http://schemas.microsoft.com/office/powerpoint/2010/main" val="2401618461"/>
-      </p:ext>
-    </p:extLst>
-  </p:cSld>
-  <p:clrMapOvr>
-    <a:masterClrMapping/>
-  </p:clrMapOvr>
-</p:sld>
-</file>
-
 <file path=ppt/slides/slide7.xml><?xml version="1.0" encoding="utf-8"?>
 <p:sld xmlns:a="http://schemas.openxmlformats.org/drawingml/2006/main" xmlns:r="http://schemas.openxmlformats.org/officeDocument/2006/relationships" xmlns:p="http://schemas.openxmlformats.org/presentationml/2006/main">
   <p:cSld>
@@ -5124,7 +5181,7 @@
           <p:cNvPr id="2" name="Title 1">
             <a:extLst>
               <a:ext uri="{FF2B5EF4-FFF2-40B4-BE49-F238E27FC236}">
-                <a16:creationId xmlns:a16="http://schemas.microsoft.com/office/drawing/2014/main" id="{848E72F1-F67E-4AEF-9E86-14F48B4E54AB}"/>
+                <a16:creationId xmlns:a16="http://schemas.microsoft.com/office/drawing/2014/main" id="{22EE2A52-8FF8-4737-A596-36F75D3C0AA9}"/>
               </a:ext>
             </a:extLst>
           </p:cNvPr>
@@ -5142,7 +5199,7 @@
           <a:p>
             <a:r>
               <a:rPr lang="en-US" dirty="0"/>
-              <a:t>Prerequisites </a:t>
+              <a:t>Overview</a:t>
             </a:r>
           </a:p>
         </p:txBody>
@@ -5152,7 +5209,7 @@
           <p:cNvPr id="3" name="Content Placeholder 2">
             <a:extLst>
               <a:ext uri="{FF2B5EF4-FFF2-40B4-BE49-F238E27FC236}">
-                <a16:creationId xmlns:a16="http://schemas.microsoft.com/office/drawing/2014/main" id="{6420E0E3-B7A2-4D43-9E12-6ABB0339C165}"/>
+                <a16:creationId xmlns:a16="http://schemas.microsoft.com/office/drawing/2014/main" id="{B01B009F-2E63-4A04-8BCE-C50D0F4ECE66}"/>
               </a:ext>
             </a:extLst>
           </p:cNvPr>
@@ -5170,23 +5227,16 @@
           <a:p>
             <a:r>
               <a:rPr lang="en-US" dirty="0"/>
-              <a:t>Node.js</a:t>
-            </a:r>
-          </a:p>
-          <a:p>
-            <a:r>
-              <a:rPr lang="en-US" dirty="0"/>
-              <a:t>Dotnet SDK 2.2</a:t>
-            </a:r>
-          </a:p>
-          <a:p>
+              <a:t>Brief setup of </a:t>
+            </a:r>
             <a:r>
               <a:rPr lang="en-US" dirty="0" err="1"/>
               <a:t>AutoRest</a:t>
             </a:r>
-            <a:endParaRPr lang="en-US" dirty="0"/>
-          </a:p>
-          <a:p>
+            <a:r>
+              <a:rPr lang="en-US" dirty="0"/>
+              <a:t> &amp; </a:t>
+            </a:r>
             <a:r>
               <a:rPr lang="en-US" dirty="0" err="1"/>
               <a:t>AutoRest.PowerShell</a:t>
@@ -5196,7 +5246,46 @@
           <a:p>
             <a:r>
               <a:rPr lang="en-US" dirty="0"/>
-              <a:t>PowerShell 6+</a:t>
+              <a:t>Overview of a simple </a:t>
+            </a:r>
+            <a:r>
+              <a:rPr lang="en-US" dirty="0" err="1"/>
+              <a:t>OpenAPI</a:t>
+            </a:r>
+            <a:r>
+              <a:rPr lang="en-US" dirty="0"/>
+              <a:t> file</a:t>
+            </a:r>
+          </a:p>
+          <a:p>
+            <a:pPr lvl="1"/>
+            <a:r>
+              <a:rPr lang="en-US" dirty="0"/>
+              <a:t>Including Authentication and basic CRUD</a:t>
+            </a:r>
+          </a:p>
+          <a:p>
+            <a:r>
+              <a:rPr lang="en-US" dirty="0"/>
+              <a:t>Build a module</a:t>
+            </a:r>
+          </a:p>
+          <a:p>
+            <a:r>
+              <a:rPr lang="en-US" dirty="0"/>
+              <a:t>Adding Authentication</a:t>
+            </a:r>
+          </a:p>
+          <a:p>
+            <a:r>
+              <a:rPr lang="en-US" dirty="0"/>
+              <a:t>Adding cmdlets</a:t>
+            </a:r>
+          </a:p>
+          <a:p>
+            <a:r>
+              <a:rPr lang="en-US" dirty="0"/>
+              <a:t>Using directives for customization</a:t>
             </a:r>
           </a:p>
         </p:txBody>
@@ -5204,7 +5293,7 @@
     </p:spTree>
     <p:extLst>
       <p:ext uri="{BB962C8B-B14F-4D97-AF65-F5344CB8AC3E}">
-        <p14:creationId xmlns:p14="http://schemas.microsoft.com/office/powerpoint/2010/main" val="4066512176"/>
+        <p14:creationId xmlns:p14="http://schemas.microsoft.com/office/powerpoint/2010/main" val="2401618461"/>
       </p:ext>
     </p:extLst>
   </p:cSld>
@@ -5236,7 +5325,7 @@
           <p:cNvPr id="2" name="Title 1">
             <a:extLst>
               <a:ext uri="{FF2B5EF4-FFF2-40B4-BE49-F238E27FC236}">
-                <a16:creationId xmlns:a16="http://schemas.microsoft.com/office/drawing/2014/main" id="{F1661924-E51B-4AA1-A1C5-C9AD9EE32D81}"/>
+                <a16:creationId xmlns:a16="http://schemas.microsoft.com/office/drawing/2014/main" id="{848E72F1-F67E-4AEF-9E86-14F48B4E54AB}"/>
               </a:ext>
             </a:extLst>
           </p:cNvPr>
@@ -5254,7 +5343,7 @@
           <a:p>
             <a:r>
               <a:rPr lang="en-US" dirty="0"/>
-              <a:t>Demo Environment</a:t>
+              <a:t>Prerequisites </a:t>
             </a:r>
           </a:p>
         </p:txBody>
@@ -5264,7 +5353,7 @@
           <p:cNvPr id="3" name="Content Placeholder 2">
             <a:extLst>
               <a:ext uri="{FF2B5EF4-FFF2-40B4-BE49-F238E27FC236}">
-                <a16:creationId xmlns:a16="http://schemas.microsoft.com/office/drawing/2014/main" id="{4FA49B7C-A4DE-4ADA-8216-70A81166A541}"/>
+                <a16:creationId xmlns:a16="http://schemas.microsoft.com/office/drawing/2014/main" id="{6420E0E3-B7A2-4D43-9E12-6ABB0339C165}"/>
               </a:ext>
             </a:extLst>
           </p:cNvPr>
@@ -5282,25 +5371,33 @@
           <a:p>
             <a:r>
               <a:rPr lang="en-US" dirty="0"/>
-              <a:t>Previously mentioned prerequisites</a:t>
+              <a:t>Node.js</a:t>
             </a:r>
           </a:p>
           <a:p>
             <a:r>
               <a:rPr lang="en-US" dirty="0"/>
-              <a:t>Windows 10</a:t>
-            </a:r>
+              <a:t>Dotnet SDK 2.2</a:t>
+            </a:r>
+          </a:p>
+          <a:p>
+            <a:r>
+              <a:rPr lang="en-US" dirty="0" err="1"/>
+              <a:t>AutoRest</a:t>
+            </a:r>
+            <a:endParaRPr lang="en-US" dirty="0"/>
+          </a:p>
+          <a:p>
+            <a:r>
+              <a:rPr lang="en-US" dirty="0" err="1"/>
+              <a:t>AutoRest.PowerShell</a:t>
+            </a:r>
+            <a:endParaRPr lang="en-US" dirty="0"/>
           </a:p>
           <a:p>
             <a:r>
               <a:rPr lang="en-US" dirty="0"/>
-              <a:t>VS Code (latest version)</a:t>
-            </a:r>
-          </a:p>
-          <a:p>
-            <a:r>
-              <a:rPr lang="en-US" dirty="0"/>
-              <a:t>PowerShell 7.2.2 (should work in Windows PowerShell 5.1)</a:t>
+              <a:t>PowerShell 6+</a:t>
             </a:r>
           </a:p>
         </p:txBody>
@@ -5308,7 +5405,7 @@
     </p:spTree>
     <p:extLst>
       <p:ext uri="{BB962C8B-B14F-4D97-AF65-F5344CB8AC3E}">
-        <p14:creationId xmlns:p14="http://schemas.microsoft.com/office/powerpoint/2010/main" val="3298450064"/>
+        <p14:creationId xmlns:p14="http://schemas.microsoft.com/office/powerpoint/2010/main" val="4066512176"/>
       </p:ext>
     </p:extLst>
   </p:cSld>
@@ -5340,7 +5437,7 @@
           <p:cNvPr id="2" name="Title 1">
             <a:extLst>
               <a:ext uri="{FF2B5EF4-FFF2-40B4-BE49-F238E27FC236}">
-                <a16:creationId xmlns:a16="http://schemas.microsoft.com/office/drawing/2014/main" id="{E3A9F0FE-D43C-4B1C-82DA-13266F8E68E5}"/>
+                <a16:creationId xmlns:a16="http://schemas.microsoft.com/office/drawing/2014/main" id="{F1661924-E51B-4AA1-A1C5-C9AD9EE32D81}"/>
               </a:ext>
             </a:extLst>
           </p:cNvPr>
@@ -5358,50 +5455,61 @@
           <a:p>
             <a:r>
               <a:rPr lang="en-US" dirty="0"/>
-              <a:t>Workflow</a:t>
-            </a:r>
-          </a:p>
-        </p:txBody>
-      </p:sp>
-      <p:pic>
-        <p:nvPicPr>
-          <p:cNvPr id="9" name="Content Placeholder 8" descr="Diagram&#10;&#10;Description automatically generated">
-            <a:extLst>
-              <a:ext uri="{FF2B5EF4-FFF2-40B4-BE49-F238E27FC236}">
-                <a16:creationId xmlns:a16="http://schemas.microsoft.com/office/drawing/2014/main" id="{1451F7E3-E2E4-4726-8D2C-345484C8F19C}"/>
-              </a:ext>
-            </a:extLst>
-          </p:cNvPr>
-          <p:cNvPicPr>
-            <a:picLocks noGrp="1" noChangeAspect="1"/>
-          </p:cNvPicPr>
+              <a:t>Demo Environment</a:t>
+            </a:r>
+          </a:p>
+        </p:txBody>
+      </p:sp>
+      <p:sp>
+        <p:nvSpPr>
+          <p:cNvPr id="3" name="Content Placeholder 2">
+            <a:extLst>
+              <a:ext uri="{FF2B5EF4-FFF2-40B4-BE49-F238E27FC236}">
+                <a16:creationId xmlns:a16="http://schemas.microsoft.com/office/drawing/2014/main" id="{4FA49B7C-A4DE-4ADA-8216-70A81166A541}"/>
+              </a:ext>
+            </a:extLst>
+          </p:cNvPr>
+          <p:cNvSpPr>
+            <a:spLocks noGrp="1"/>
+          </p:cNvSpPr>
           <p:nvPr>
             <p:ph idx="1"/>
           </p:nvPr>
-        </p:nvPicPr>
-        <p:blipFill>
-          <a:blip r:embed="rId2">
-            <a:extLst>
-              <a:ext uri="{28A0092B-C50C-407E-A947-70E740481C1C}">
-                <a14:useLocalDpi xmlns:a14="http://schemas.microsoft.com/office/drawing/2010/main" val="0"/>
-              </a:ext>
-            </a:extLst>
-          </a:blip>
-          <a:stretch>
-            <a:fillRect/>
-          </a:stretch>
-        </p:blipFill>
-        <p:spPr>
-          <a:xfrm>
-            <a:off x="2209792" y="2629691"/>
-            <a:ext cx="7772416" cy="2743206"/>
-          </a:xfrm>
-        </p:spPr>
-      </p:pic>
+        </p:nvSpPr>
+        <p:spPr/>
+        <p:txBody>
+          <a:bodyPr/>
+          <a:lstStyle/>
+          <a:p>
+            <a:r>
+              <a:rPr lang="en-US" dirty="0"/>
+              <a:t>Previously mentioned prerequisites</a:t>
+            </a:r>
+          </a:p>
+          <a:p>
+            <a:r>
+              <a:rPr lang="en-US" dirty="0"/>
+              <a:t>Windows 10</a:t>
+            </a:r>
+          </a:p>
+          <a:p>
+            <a:r>
+              <a:rPr lang="en-US" dirty="0"/>
+              <a:t>VS Code (latest version)</a:t>
+            </a:r>
+          </a:p>
+          <a:p>
+            <a:r>
+              <a:rPr lang="en-US" dirty="0"/>
+              <a:t>PowerShell 7.2.2 (should work in Windows PowerShell 5.1)</a:t>
+            </a:r>
+          </a:p>
+        </p:txBody>
+      </p:sp>
     </p:spTree>
     <p:extLst>
       <p:ext uri="{BB962C8B-B14F-4D97-AF65-F5344CB8AC3E}">
-        <p14:creationId xmlns:p14="http://schemas.microsoft.com/office/powerpoint/2010/main" val="1207107507"/>
+        <p14:creationId xmlns:p14="http://schemas.microsoft.com/office/powerpoint/2010/main" val="3298450064"/>
       </p:ext>
     </p:extLst>
   </p:cSld>

--- a/2022-04-28 - AutoRest The Module Generator/PowerShell Summit 2022 - AutoRest.pptx
+++ b/2022-04-28 - AutoRest The Module Generator/PowerShell Summit 2022 - AutoRest.pptx
@@ -7,7 +7,7 @@
   <p:sldIdLst>
     <p:sldId id="256" r:id="rId2"/>
     <p:sldId id="257" r:id="rId3"/>
-    <p:sldId id="277" r:id="rId4"/>
+    <p:sldId id="279" r:id="rId4"/>
     <p:sldId id="274" r:id="rId5"/>
     <p:sldId id="269" r:id="rId6"/>
     <p:sldId id="258" r:id="rId7"/>
@@ -114,6 +114,28 @@
     </a:lvl9pPr>
   </p:defaultTextStyle>
   <p:extLst>
+    <p:ext uri="{521415D9-36F7-43E2-AB2F-B90AF26B5E84}">
+      <p14:sectionLst xmlns:p14="http://schemas.microsoft.com/office/powerpoint/2010/main">
+        <p14:section name="Default Section" id="{E10ECDEE-F33E-42A8-AF25-E554F9695B58}">
+          <p14:sldIdLst>
+            <p14:sldId id="256"/>
+            <p14:sldId id="257"/>
+          </p14:sldIdLst>
+        </p14:section>
+        <p14:section name="Untitled Section" id="{642633CB-1160-40D6-B728-0B6B01710F26}">
+          <p14:sldIdLst>
+            <p14:sldId id="279"/>
+            <p14:sldId id="274"/>
+            <p14:sldId id="269"/>
+            <p14:sldId id="258"/>
+            <p14:sldId id="272"/>
+            <p14:sldId id="271"/>
+            <p14:sldId id="268"/>
+            <p14:sldId id="273"/>
+          </p14:sldIdLst>
+        </p14:section>
+      </p14:sectionLst>
+    </p:ext>
     <p:ext uri="{EFAFB233-063F-42B5-8137-9DF3F51BA10A}">
       <p15:sldGuideLst xmlns:p15="http://schemas.microsoft.com/office/powerpoint/2012/main"/>
     </p:ext>
@@ -268,7 +290,7 @@
           <a:p>
             <a:fld id="{D46B952B-F692-4DD1-9678-FCDA40C3FC40}" type="datetimeFigureOut">
               <a:rPr lang="en-US" smtClean="0"/>
-              <a:t>4/25/2022</a:t>
+              <a:t>4/26/2022</a:t>
             </a:fld>
             <a:endParaRPr lang="en-US"/>
           </a:p>
@@ -466,7 +488,7 @@
           <a:p>
             <a:fld id="{D46B952B-F692-4DD1-9678-FCDA40C3FC40}" type="datetimeFigureOut">
               <a:rPr lang="en-US" smtClean="0"/>
-              <a:t>4/25/2022</a:t>
+              <a:t>4/26/2022</a:t>
             </a:fld>
             <a:endParaRPr lang="en-US"/>
           </a:p>
@@ -674,7 +696,7 @@
           <a:p>
             <a:fld id="{D46B952B-F692-4DD1-9678-FCDA40C3FC40}" type="datetimeFigureOut">
               <a:rPr lang="en-US" smtClean="0"/>
-              <a:t>4/25/2022</a:t>
+              <a:t>4/26/2022</a:t>
             </a:fld>
             <a:endParaRPr lang="en-US"/>
           </a:p>
@@ -872,7 +894,7 @@
           <a:p>
             <a:fld id="{D46B952B-F692-4DD1-9678-FCDA40C3FC40}" type="datetimeFigureOut">
               <a:rPr lang="en-US" smtClean="0"/>
-              <a:t>4/25/2022</a:t>
+              <a:t>4/26/2022</a:t>
             </a:fld>
             <a:endParaRPr lang="en-US"/>
           </a:p>
@@ -1147,7 +1169,7 @@
           <a:p>
             <a:fld id="{D46B952B-F692-4DD1-9678-FCDA40C3FC40}" type="datetimeFigureOut">
               <a:rPr lang="en-US" smtClean="0"/>
-              <a:t>4/25/2022</a:t>
+              <a:t>4/26/2022</a:t>
             </a:fld>
             <a:endParaRPr lang="en-US"/>
           </a:p>
@@ -1412,7 +1434,7 @@
           <a:p>
             <a:fld id="{D46B952B-F692-4DD1-9678-FCDA40C3FC40}" type="datetimeFigureOut">
               <a:rPr lang="en-US" smtClean="0"/>
-              <a:t>4/25/2022</a:t>
+              <a:t>4/26/2022</a:t>
             </a:fld>
             <a:endParaRPr lang="en-US"/>
           </a:p>
@@ -1824,7 +1846,7 @@
           <a:p>
             <a:fld id="{D46B952B-F692-4DD1-9678-FCDA40C3FC40}" type="datetimeFigureOut">
               <a:rPr lang="en-US" smtClean="0"/>
-              <a:t>4/25/2022</a:t>
+              <a:t>4/26/2022</a:t>
             </a:fld>
             <a:endParaRPr lang="en-US"/>
           </a:p>
@@ -1965,7 +1987,7 @@
           <a:p>
             <a:fld id="{D46B952B-F692-4DD1-9678-FCDA40C3FC40}" type="datetimeFigureOut">
               <a:rPr lang="en-US" smtClean="0"/>
-              <a:t>4/25/2022</a:t>
+              <a:t>4/26/2022</a:t>
             </a:fld>
             <a:endParaRPr lang="en-US"/>
           </a:p>
@@ -2078,7 +2100,7 @@
           <a:p>
             <a:fld id="{D46B952B-F692-4DD1-9678-FCDA40C3FC40}" type="datetimeFigureOut">
               <a:rPr lang="en-US" smtClean="0"/>
-              <a:t>4/25/2022</a:t>
+              <a:t>4/26/2022</a:t>
             </a:fld>
             <a:endParaRPr lang="en-US"/>
           </a:p>
@@ -2389,7 +2411,7 @@
           <a:p>
             <a:fld id="{D46B952B-F692-4DD1-9678-FCDA40C3FC40}" type="datetimeFigureOut">
               <a:rPr lang="en-US" smtClean="0"/>
-              <a:t>4/25/2022</a:t>
+              <a:t>4/26/2022</a:t>
             </a:fld>
             <a:endParaRPr lang="en-US"/>
           </a:p>
@@ -2677,7 +2699,7 @@
           <a:p>
             <a:fld id="{D46B952B-F692-4DD1-9678-FCDA40C3FC40}" type="datetimeFigureOut">
               <a:rPr lang="en-US" smtClean="0"/>
-              <a:t>4/25/2022</a:t>
+              <a:t>4/26/2022</a:t>
             </a:fld>
             <a:endParaRPr lang="en-US"/>
           </a:p>
@@ -2927,7 +2949,7 @@
           <a:p>
             <a:fld id="{D46B952B-F692-4DD1-9678-FCDA40C3FC40}" type="datetimeFigureOut">
               <a:rPr lang="en-US" smtClean="0"/>
-              <a:t>4/25/2022</a:t>
+              <a:t>4/26/2022</a:t>
             </a:fld>
             <a:endParaRPr lang="en-US"/>
           </a:p>
@@ -4288,7 +4310,7 @@
           <p:cNvPr id="2" name="Title 1">
             <a:extLst>
               <a:ext uri="{FF2B5EF4-FFF2-40B4-BE49-F238E27FC236}">
-                <a16:creationId xmlns:a16="http://schemas.microsoft.com/office/drawing/2014/main" id="{6565FD82-9732-4750-8699-88FFD2186064}"/>
+                <a16:creationId xmlns:a16="http://schemas.microsoft.com/office/drawing/2014/main" id="{11D4D5A4-69A5-4AEE-9730-18196CF66DE5}"/>
               </a:ext>
             </a:extLst>
           </p:cNvPr>
@@ -4306,70 +4328,505 @@
           <a:p>
             <a:r>
               <a:rPr lang="en-US" dirty="0"/>
-              <a:t>Eugene, Oregon</a:t>
-            </a:r>
-          </a:p>
-        </p:txBody>
-      </p:sp>
-      <p:pic>
-        <p:nvPicPr>
-          <p:cNvPr id="1026" name="Picture 2">
-            <a:extLst>
-              <a:ext uri="{FF2B5EF4-FFF2-40B4-BE49-F238E27FC236}">
-                <a16:creationId xmlns:a16="http://schemas.microsoft.com/office/drawing/2014/main" id="{A8A15C21-5A54-4C7D-BD14-A6EFA3A2859F}"/>
-              </a:ext>
-            </a:extLst>
-          </p:cNvPr>
-          <p:cNvPicPr>
-            <a:picLocks noGrp="1" noChangeAspect="1" noChangeArrowheads="1"/>
-          </p:cNvPicPr>
+              <a:t>Runway</a:t>
+            </a:r>
+          </a:p>
+        </p:txBody>
+      </p:sp>
+      <p:sp>
+        <p:nvSpPr>
+          <p:cNvPr id="3" name="Content Placeholder 2">
+            <a:extLst>
+              <a:ext uri="{FF2B5EF4-FFF2-40B4-BE49-F238E27FC236}">
+                <a16:creationId xmlns:a16="http://schemas.microsoft.com/office/drawing/2014/main" id="{89BF1494-C104-49C6-85B4-97DFCB5C9A87}"/>
+              </a:ext>
+            </a:extLst>
+          </p:cNvPr>
+          <p:cNvSpPr>
+            <a:spLocks noGrp="1"/>
+          </p:cNvSpPr>
           <p:nvPr>
             <p:ph idx="1"/>
           </p:nvPr>
-        </p:nvPicPr>
-        <p:blipFill>
-          <a:blip r:embed="rId2">
-            <a:extLst>
-              <a:ext uri="{28A0092B-C50C-407E-A947-70E740481C1C}">
-                <a14:useLocalDpi xmlns:a14="http://schemas.microsoft.com/office/drawing/2010/main" val="0"/>
-              </a:ext>
-            </a:extLst>
-          </a:blip>
-          <a:srcRect/>
-          <a:stretch>
-            <a:fillRect/>
-          </a:stretch>
-        </p:blipFill>
-        <p:spPr bwMode="auto">
-          <a:xfrm>
-            <a:off x="4063895" y="2578821"/>
-            <a:ext cx="4064209" cy="2844946"/>
-          </a:xfrm>
-          <a:prstGeom prst="rect">
-            <a:avLst/>
-          </a:prstGeom>
-          <a:noFill/>
-          <a:extLst>
-            <a:ext uri="{909E8E84-426E-40DD-AFC4-6F175D3DCCD1}">
-              <a14:hiddenFill xmlns:a14="http://schemas.microsoft.com/office/drawing/2010/main">
-                <a:solidFill>
-                  <a:srgbClr val="FFFFFF"/>
-                </a:solidFill>
-              </a14:hiddenFill>
-            </a:ext>
-          </a:extLst>
-        </p:spPr>
-      </p:pic>
+        </p:nvSpPr>
+        <p:spPr/>
+        <p:txBody>
+          <a:bodyPr/>
+          <a:lstStyle/>
+          <a:p>
+            <a:r>
+              <a:rPr lang="en-US" dirty="0"/>
+              <a:t>Agent based orchestration platform</a:t>
+            </a:r>
+          </a:p>
+          <a:p>
+            <a:r>
+              <a:rPr lang="en-US" dirty="0"/>
+              <a:t>Run any code anywhere (including PowerShell)</a:t>
+            </a:r>
+          </a:p>
+          <a:p>
+            <a:r>
+              <a:rPr lang="en-US" dirty="0"/>
+              <a:t>Fully API driven (with PowerShell SDK)</a:t>
+            </a:r>
+          </a:p>
+          <a:p>
+            <a:r>
+              <a:rPr lang="en-US" dirty="0"/>
+              <a:t>Supports Windows, Linux, and containers</a:t>
+            </a:r>
+          </a:p>
+          <a:p>
+            <a:r>
+              <a:rPr lang="en-US" dirty="0"/>
+              <a:t>Move data between any endpoints, no network requirements</a:t>
+            </a:r>
+          </a:p>
+          <a:p>
+            <a:r>
+              <a:rPr lang="en-US" dirty="0"/>
+              <a:t>We are invested heavily in PowerShell because I like PowerShell</a:t>
+            </a:r>
+          </a:p>
+          <a:p>
+            <a:r>
+              <a:rPr lang="en-US" dirty="0"/>
+              <a:t>If you want a free account, reach out</a:t>
+            </a:r>
+          </a:p>
+          <a:p>
+            <a:pPr lvl="1"/>
+            <a:r>
+              <a:rPr lang="en-US" dirty="0" err="1">
+                <a:hlinkClick r:id="rId2"/>
+              </a:rPr>
+              <a:t>anthony@runway.host</a:t>
+            </a:r>
+            <a:r>
+              <a:rPr lang="en-US" dirty="0"/>
+              <a:t> </a:t>
+            </a:r>
+          </a:p>
+        </p:txBody>
+      </p:sp>
     </p:spTree>
     <p:extLst>
       <p:ext uri="{BB962C8B-B14F-4D97-AF65-F5344CB8AC3E}">
-        <p14:creationId xmlns:p14="http://schemas.microsoft.com/office/powerpoint/2010/main" val="103183490"/>
+        <p14:creationId xmlns:p14="http://schemas.microsoft.com/office/powerpoint/2010/main" val="3047056906"/>
       </p:ext>
     </p:extLst>
   </p:cSld>
   <p:clrMapOvr>
     <a:masterClrMapping/>
   </p:clrMapOvr>
+  <p:timing>
+    <p:tnLst>
+      <p:par>
+        <p:cTn id="1" dur="indefinite" restart="never" nodeType="tmRoot">
+          <p:childTnLst>
+            <p:seq concurrent="1" nextAc="seek">
+              <p:cTn id="2" dur="indefinite" nodeType="mainSeq">
+                <p:childTnLst>
+                  <p:par>
+                    <p:cTn id="3" fill="hold">
+                      <p:stCondLst>
+                        <p:cond delay="indefinite"/>
+                      </p:stCondLst>
+                      <p:childTnLst>
+                        <p:par>
+                          <p:cTn id="4" fill="hold">
+                            <p:stCondLst>
+                              <p:cond delay="0"/>
+                            </p:stCondLst>
+                            <p:childTnLst>
+                              <p:par>
+                                <p:cTn id="5" presetID="1" presetClass="entr" presetSubtype="0" fill="hold" grpId="0" nodeType="clickEffect">
+                                  <p:stCondLst>
+                                    <p:cond delay="0"/>
+                                  </p:stCondLst>
+                                  <p:childTnLst>
+                                    <p:set>
+                                      <p:cBhvr>
+                                        <p:cTn id="6" dur="1" fill="hold">
+                                          <p:stCondLst>
+                                            <p:cond delay="0"/>
+                                          </p:stCondLst>
+                                        </p:cTn>
+                                        <p:tgtEl>
+                                          <p:spTgt spid="3">
+                                            <p:txEl>
+                                              <p:pRg st="0" end="0"/>
+                                            </p:txEl>
+                                          </p:spTgt>
+                                        </p:tgtEl>
+                                        <p:attrNameLst>
+                                          <p:attrName>style.visibility</p:attrName>
+                                        </p:attrNameLst>
+                                      </p:cBhvr>
+                                      <p:to>
+                                        <p:strVal val="visible"/>
+                                      </p:to>
+                                    </p:set>
+                                  </p:childTnLst>
+                                </p:cTn>
+                              </p:par>
+                            </p:childTnLst>
+                          </p:cTn>
+                        </p:par>
+                      </p:childTnLst>
+                    </p:cTn>
+                  </p:par>
+                  <p:par>
+                    <p:cTn id="7" fill="hold">
+                      <p:stCondLst>
+                        <p:cond delay="indefinite"/>
+                      </p:stCondLst>
+                      <p:childTnLst>
+                        <p:par>
+                          <p:cTn id="8" fill="hold">
+                            <p:stCondLst>
+                              <p:cond delay="0"/>
+                            </p:stCondLst>
+                            <p:childTnLst>
+                              <p:par>
+                                <p:cTn id="9" presetID="1" presetClass="entr" presetSubtype="0" fill="hold" grpId="0" nodeType="clickEffect">
+                                  <p:stCondLst>
+                                    <p:cond delay="0"/>
+                                  </p:stCondLst>
+                                  <p:childTnLst>
+                                    <p:set>
+                                      <p:cBhvr>
+                                        <p:cTn id="10" dur="1" fill="hold">
+                                          <p:stCondLst>
+                                            <p:cond delay="0"/>
+                                          </p:stCondLst>
+                                        </p:cTn>
+                                        <p:tgtEl>
+                                          <p:spTgt spid="3">
+                                            <p:txEl>
+                                              <p:pRg st="1" end="1"/>
+                                            </p:txEl>
+                                          </p:spTgt>
+                                        </p:tgtEl>
+                                        <p:attrNameLst>
+                                          <p:attrName>style.visibility</p:attrName>
+                                        </p:attrNameLst>
+                                      </p:cBhvr>
+                                      <p:to>
+                                        <p:strVal val="visible"/>
+                                      </p:to>
+                                    </p:set>
+                                  </p:childTnLst>
+                                </p:cTn>
+                              </p:par>
+                            </p:childTnLst>
+                          </p:cTn>
+                        </p:par>
+                      </p:childTnLst>
+                    </p:cTn>
+                  </p:par>
+                  <p:par>
+                    <p:cTn id="11" fill="hold">
+                      <p:stCondLst>
+                        <p:cond delay="indefinite"/>
+                      </p:stCondLst>
+                      <p:childTnLst>
+                        <p:par>
+                          <p:cTn id="12" fill="hold">
+                            <p:stCondLst>
+                              <p:cond delay="0"/>
+                            </p:stCondLst>
+                            <p:childTnLst>
+                              <p:par>
+                                <p:cTn id="13" presetID="1" presetClass="entr" presetSubtype="0" fill="hold" grpId="0" nodeType="clickEffect">
+                                  <p:stCondLst>
+                                    <p:cond delay="0"/>
+                                  </p:stCondLst>
+                                  <p:childTnLst>
+                                    <p:set>
+                                      <p:cBhvr>
+                                        <p:cTn id="14" dur="1" fill="hold">
+                                          <p:stCondLst>
+                                            <p:cond delay="0"/>
+                                          </p:stCondLst>
+                                        </p:cTn>
+                                        <p:tgtEl>
+                                          <p:spTgt spid="3">
+                                            <p:txEl>
+                                              <p:pRg st="2" end="2"/>
+                                            </p:txEl>
+                                          </p:spTgt>
+                                        </p:tgtEl>
+                                        <p:attrNameLst>
+                                          <p:attrName>style.visibility</p:attrName>
+                                        </p:attrNameLst>
+                                      </p:cBhvr>
+                                      <p:to>
+                                        <p:strVal val="visible"/>
+                                      </p:to>
+                                    </p:set>
+                                  </p:childTnLst>
+                                </p:cTn>
+                              </p:par>
+                            </p:childTnLst>
+                          </p:cTn>
+                        </p:par>
+                      </p:childTnLst>
+                    </p:cTn>
+                  </p:par>
+                  <p:par>
+                    <p:cTn id="15" fill="hold">
+                      <p:stCondLst>
+                        <p:cond delay="indefinite"/>
+                      </p:stCondLst>
+                      <p:childTnLst>
+                        <p:par>
+                          <p:cTn id="16" fill="hold">
+                            <p:stCondLst>
+                              <p:cond delay="0"/>
+                            </p:stCondLst>
+                            <p:childTnLst>
+                              <p:par>
+                                <p:cTn id="17" presetID="1" presetClass="entr" presetSubtype="0" fill="hold" grpId="0" nodeType="clickEffect">
+                                  <p:stCondLst>
+                                    <p:cond delay="0"/>
+                                  </p:stCondLst>
+                                  <p:childTnLst>
+                                    <p:set>
+                                      <p:cBhvr>
+                                        <p:cTn id="18" dur="1" fill="hold">
+                                          <p:stCondLst>
+                                            <p:cond delay="0"/>
+                                          </p:stCondLst>
+                                        </p:cTn>
+                                        <p:tgtEl>
+                                          <p:spTgt spid="3">
+                                            <p:txEl>
+                                              <p:pRg st="3" end="3"/>
+                                            </p:txEl>
+                                          </p:spTgt>
+                                        </p:tgtEl>
+                                        <p:attrNameLst>
+                                          <p:attrName>style.visibility</p:attrName>
+                                        </p:attrNameLst>
+                                      </p:cBhvr>
+                                      <p:to>
+                                        <p:strVal val="visible"/>
+                                      </p:to>
+                                    </p:set>
+                                  </p:childTnLst>
+                                </p:cTn>
+                              </p:par>
+                            </p:childTnLst>
+                          </p:cTn>
+                        </p:par>
+                      </p:childTnLst>
+                    </p:cTn>
+                  </p:par>
+                  <p:par>
+                    <p:cTn id="19" fill="hold">
+                      <p:stCondLst>
+                        <p:cond delay="indefinite"/>
+                      </p:stCondLst>
+                      <p:childTnLst>
+                        <p:par>
+                          <p:cTn id="20" fill="hold">
+                            <p:stCondLst>
+                              <p:cond delay="0"/>
+                            </p:stCondLst>
+                            <p:childTnLst>
+                              <p:par>
+                                <p:cTn id="21" presetID="1" presetClass="entr" presetSubtype="0" fill="hold" grpId="0" nodeType="clickEffect">
+                                  <p:stCondLst>
+                                    <p:cond delay="0"/>
+                                  </p:stCondLst>
+                                  <p:childTnLst>
+                                    <p:set>
+                                      <p:cBhvr>
+                                        <p:cTn id="22" dur="1" fill="hold">
+                                          <p:stCondLst>
+                                            <p:cond delay="0"/>
+                                          </p:stCondLst>
+                                        </p:cTn>
+                                        <p:tgtEl>
+                                          <p:spTgt spid="3">
+                                            <p:txEl>
+                                              <p:pRg st="4" end="4"/>
+                                            </p:txEl>
+                                          </p:spTgt>
+                                        </p:tgtEl>
+                                        <p:attrNameLst>
+                                          <p:attrName>style.visibility</p:attrName>
+                                        </p:attrNameLst>
+                                      </p:cBhvr>
+                                      <p:to>
+                                        <p:strVal val="visible"/>
+                                      </p:to>
+                                    </p:set>
+                                  </p:childTnLst>
+                                </p:cTn>
+                              </p:par>
+                            </p:childTnLst>
+                          </p:cTn>
+                        </p:par>
+                      </p:childTnLst>
+                    </p:cTn>
+                  </p:par>
+                  <p:par>
+                    <p:cTn id="23" fill="hold">
+                      <p:stCondLst>
+                        <p:cond delay="indefinite"/>
+                      </p:stCondLst>
+                      <p:childTnLst>
+                        <p:par>
+                          <p:cTn id="24" fill="hold">
+                            <p:stCondLst>
+                              <p:cond delay="0"/>
+                            </p:stCondLst>
+                            <p:childTnLst>
+                              <p:par>
+                                <p:cTn id="25" presetID="1" presetClass="entr" presetSubtype="0" fill="hold" grpId="0" nodeType="clickEffect">
+                                  <p:stCondLst>
+                                    <p:cond delay="0"/>
+                                  </p:stCondLst>
+                                  <p:childTnLst>
+                                    <p:set>
+                                      <p:cBhvr>
+                                        <p:cTn id="26" dur="1" fill="hold">
+                                          <p:stCondLst>
+                                            <p:cond delay="0"/>
+                                          </p:stCondLst>
+                                        </p:cTn>
+                                        <p:tgtEl>
+                                          <p:spTgt spid="3">
+                                            <p:txEl>
+                                              <p:pRg st="5" end="5"/>
+                                            </p:txEl>
+                                          </p:spTgt>
+                                        </p:tgtEl>
+                                        <p:attrNameLst>
+                                          <p:attrName>style.visibility</p:attrName>
+                                        </p:attrNameLst>
+                                      </p:cBhvr>
+                                      <p:to>
+                                        <p:strVal val="visible"/>
+                                      </p:to>
+                                    </p:set>
+                                  </p:childTnLst>
+                                </p:cTn>
+                              </p:par>
+                            </p:childTnLst>
+                          </p:cTn>
+                        </p:par>
+                      </p:childTnLst>
+                    </p:cTn>
+                  </p:par>
+                  <p:par>
+                    <p:cTn id="27" fill="hold">
+                      <p:stCondLst>
+                        <p:cond delay="indefinite"/>
+                      </p:stCondLst>
+                      <p:childTnLst>
+                        <p:par>
+                          <p:cTn id="28" fill="hold">
+                            <p:stCondLst>
+                              <p:cond delay="0"/>
+                            </p:stCondLst>
+                            <p:childTnLst>
+                              <p:par>
+                                <p:cTn id="29" presetID="1" presetClass="entr" presetSubtype="0" fill="hold" grpId="0" nodeType="clickEffect">
+                                  <p:stCondLst>
+                                    <p:cond delay="0"/>
+                                  </p:stCondLst>
+                                  <p:childTnLst>
+                                    <p:set>
+                                      <p:cBhvr>
+                                        <p:cTn id="30" dur="1" fill="hold">
+                                          <p:stCondLst>
+                                            <p:cond delay="0"/>
+                                          </p:stCondLst>
+                                        </p:cTn>
+                                        <p:tgtEl>
+                                          <p:spTgt spid="3">
+                                            <p:txEl>
+                                              <p:pRg st="6" end="6"/>
+                                            </p:txEl>
+                                          </p:spTgt>
+                                        </p:tgtEl>
+                                        <p:attrNameLst>
+                                          <p:attrName>style.visibility</p:attrName>
+                                        </p:attrNameLst>
+                                      </p:cBhvr>
+                                      <p:to>
+                                        <p:strVal val="visible"/>
+                                      </p:to>
+                                    </p:set>
+                                  </p:childTnLst>
+                                </p:cTn>
+                              </p:par>
+                              <p:par>
+                                <p:cTn id="31" presetID="1" presetClass="entr" presetSubtype="0" fill="hold" grpId="0" nodeType="withEffect">
+                                  <p:stCondLst>
+                                    <p:cond delay="0"/>
+                                  </p:stCondLst>
+                                  <p:childTnLst>
+                                    <p:set>
+                                      <p:cBhvr>
+                                        <p:cTn id="32" dur="1" fill="hold">
+                                          <p:stCondLst>
+                                            <p:cond delay="0"/>
+                                          </p:stCondLst>
+                                        </p:cTn>
+                                        <p:tgtEl>
+                                          <p:spTgt spid="3">
+                                            <p:txEl>
+                                              <p:pRg st="7" end="7"/>
+                                            </p:txEl>
+                                          </p:spTgt>
+                                        </p:tgtEl>
+                                        <p:attrNameLst>
+                                          <p:attrName>style.visibility</p:attrName>
+                                        </p:attrNameLst>
+                                      </p:cBhvr>
+                                      <p:to>
+                                        <p:strVal val="visible"/>
+                                      </p:to>
+                                    </p:set>
+                                  </p:childTnLst>
+                                </p:cTn>
+                              </p:par>
+                            </p:childTnLst>
+                          </p:cTn>
+                        </p:par>
+                      </p:childTnLst>
+                    </p:cTn>
+                  </p:par>
+                </p:childTnLst>
+              </p:cTn>
+              <p:prevCondLst>
+                <p:cond evt="onPrev" delay="0">
+                  <p:tgtEl>
+                    <p:sldTgt/>
+                  </p:tgtEl>
+                </p:cond>
+              </p:prevCondLst>
+              <p:nextCondLst>
+                <p:cond evt="onNext" delay="0">
+                  <p:tgtEl>
+                    <p:sldTgt/>
+                  </p:tgtEl>
+                </p:cond>
+              </p:nextCondLst>
+            </p:seq>
+          </p:childTnLst>
+        </p:cTn>
+      </p:par>
+    </p:tnLst>
+    <p:bldLst>
+      <p:bldP spid="3" grpId="0" build="p"/>
+    </p:bldLst>
+  </p:timing>
 </p:sld>
 </file>
 
